--- a/NodeJS-Architecture.pptx
+++ b/NodeJS-Architecture.pptx
@@ -4,8 +4,13 @@
   <p:sldMasterIdLst>
     <p:sldMasterId id="2147483648" r:id="rId1"/>
   </p:sldMasterIdLst>
+  <p:notesMasterIdLst>
+    <p:notesMasterId r:id="rId5"/>
+  </p:notesMasterIdLst>
   <p:sldIdLst>
     <p:sldId id="256" r:id="rId2"/>
+    <p:sldId id="257" r:id="rId3"/>
+    <p:sldId id="258" r:id="rId4"/>
   </p:sldIdLst>
   <p:sldSz cx="9144000" cy="6858000" type="screen4x3"/>
   <p:notesSz cx="6858000" cy="9144000"/>
@@ -105,6 +110,524 @@
     </a:lvl9pPr>
   </p:defaultTextStyle>
 </p:presentation>
+</file>
+
+<file path=ppt/notesMasters/notesMaster1.xml><?xml version="1.0" encoding="utf-8"?>
+<p:notesMaster xmlns:a="http://schemas.openxmlformats.org/drawingml/2006/main" xmlns:r="http://schemas.openxmlformats.org/officeDocument/2006/relationships" xmlns:p="http://schemas.openxmlformats.org/presentationml/2006/main">
+  <p:cSld>
+    <p:bg>
+      <p:bgRef idx="1001">
+        <a:schemeClr val="bg1"/>
+      </p:bgRef>
+    </p:bg>
+    <p:spTree>
+      <p:nvGrpSpPr>
+        <p:cNvPr id="1" name=""/>
+        <p:cNvGrpSpPr/>
+        <p:nvPr/>
+      </p:nvGrpSpPr>
+      <p:grpSpPr>
+        <a:xfrm>
+          <a:off x="0" y="0"/>
+          <a:ext cx="0" cy="0"/>
+          <a:chOff x="0" y="0"/>
+          <a:chExt cx="0" cy="0"/>
+        </a:xfrm>
+      </p:grpSpPr>
+      <p:sp>
+        <p:nvSpPr>
+          <p:cNvPr id="2" name="Header Placeholder 1"/>
+          <p:cNvSpPr>
+            <a:spLocks noGrp="1"/>
+          </p:cNvSpPr>
+          <p:nvPr>
+            <p:ph type="hdr" sz="quarter"/>
+          </p:nvPr>
+        </p:nvSpPr>
+        <p:spPr>
+          <a:xfrm>
+            <a:off x="0" y="0"/>
+            <a:ext cx="2971800" cy="457200"/>
+          </a:xfrm>
+          <a:prstGeom prst="rect">
+            <a:avLst/>
+          </a:prstGeom>
+        </p:spPr>
+        <p:txBody>
+          <a:bodyPr vert="horz" lIns="91440" tIns="45720" rIns="91440" bIns="45720" rtlCol="0"/>
+          <a:lstStyle>
+            <a:lvl1pPr algn="l">
+              <a:defRPr sz="1200"/>
+            </a:lvl1pPr>
+          </a:lstStyle>
+          <a:p>
+            <a:endParaRPr lang="en-IN"/>
+          </a:p>
+        </p:txBody>
+      </p:sp>
+      <p:sp>
+        <p:nvSpPr>
+          <p:cNvPr id="3" name="Date Placeholder 2"/>
+          <p:cNvSpPr>
+            <a:spLocks noGrp="1"/>
+          </p:cNvSpPr>
+          <p:nvPr>
+            <p:ph type="dt" idx="1"/>
+          </p:nvPr>
+        </p:nvSpPr>
+        <p:spPr>
+          <a:xfrm>
+            <a:off x="3884613" y="0"/>
+            <a:ext cx="2971800" cy="457200"/>
+          </a:xfrm>
+          <a:prstGeom prst="rect">
+            <a:avLst/>
+          </a:prstGeom>
+        </p:spPr>
+        <p:txBody>
+          <a:bodyPr vert="horz" lIns="91440" tIns="45720" rIns="91440" bIns="45720" rtlCol="0"/>
+          <a:lstStyle>
+            <a:lvl1pPr algn="r">
+              <a:defRPr sz="1200"/>
+            </a:lvl1pPr>
+          </a:lstStyle>
+          <a:p>
+            <a:fld id="{8D25EB8F-2E7B-4F75-8EF1-38338E91602F}" type="datetimeFigureOut">
+              <a:rPr lang="en-IN" smtClean="0"/>
+              <a:t>07-05-2024</a:t>
+            </a:fld>
+            <a:endParaRPr lang="en-IN"/>
+          </a:p>
+        </p:txBody>
+      </p:sp>
+      <p:sp>
+        <p:nvSpPr>
+          <p:cNvPr id="4" name="Slide Image Placeholder 3"/>
+          <p:cNvSpPr>
+            <a:spLocks noGrp="1" noRot="1" noChangeAspect="1"/>
+          </p:cNvSpPr>
+          <p:nvPr>
+            <p:ph type="sldImg" idx="2"/>
+          </p:nvPr>
+        </p:nvSpPr>
+        <p:spPr>
+          <a:xfrm>
+            <a:off x="1143000" y="685800"/>
+            <a:ext cx="4572000" cy="3429000"/>
+          </a:xfrm>
+          <a:prstGeom prst="rect">
+            <a:avLst/>
+          </a:prstGeom>
+          <a:noFill/>
+          <a:ln w="12700">
+            <a:solidFill>
+              <a:prstClr val="black"/>
+            </a:solidFill>
+          </a:ln>
+        </p:spPr>
+        <p:txBody>
+          <a:bodyPr vert="horz" lIns="91440" tIns="45720" rIns="91440" bIns="45720" rtlCol="0" anchor="ctr"/>
+          <a:lstStyle/>
+          <a:p>
+            <a:endParaRPr lang="en-IN"/>
+          </a:p>
+        </p:txBody>
+      </p:sp>
+      <p:sp>
+        <p:nvSpPr>
+          <p:cNvPr id="5" name="Notes Placeholder 4"/>
+          <p:cNvSpPr>
+            <a:spLocks noGrp="1"/>
+          </p:cNvSpPr>
+          <p:nvPr>
+            <p:ph type="body" sz="quarter" idx="3"/>
+          </p:nvPr>
+        </p:nvSpPr>
+        <p:spPr>
+          <a:xfrm>
+            <a:off x="685800" y="4343400"/>
+            <a:ext cx="5486400" cy="4114800"/>
+          </a:xfrm>
+          <a:prstGeom prst="rect">
+            <a:avLst/>
+          </a:prstGeom>
+        </p:spPr>
+        <p:txBody>
+          <a:bodyPr vert="horz" lIns="91440" tIns="45720" rIns="91440" bIns="45720" rtlCol="0"/>
+          <a:lstStyle/>
+          <a:p>
+            <a:pPr lvl="0"/>
+            <a:r>
+              <a:rPr lang="en-US" smtClean="0"/>
+              <a:t>Click to edit Master text styles</a:t>
+            </a:r>
+          </a:p>
+          <a:p>
+            <a:pPr lvl="1"/>
+            <a:r>
+              <a:rPr lang="en-US" smtClean="0"/>
+              <a:t>Second level</a:t>
+            </a:r>
+          </a:p>
+          <a:p>
+            <a:pPr lvl="2"/>
+            <a:r>
+              <a:rPr lang="en-US" smtClean="0"/>
+              <a:t>Third level</a:t>
+            </a:r>
+          </a:p>
+          <a:p>
+            <a:pPr lvl="3"/>
+            <a:r>
+              <a:rPr lang="en-US" smtClean="0"/>
+              <a:t>Fourth level</a:t>
+            </a:r>
+          </a:p>
+          <a:p>
+            <a:pPr lvl="4"/>
+            <a:r>
+              <a:rPr lang="en-US" smtClean="0"/>
+              <a:t>Fifth level</a:t>
+            </a:r>
+            <a:endParaRPr lang="en-IN"/>
+          </a:p>
+        </p:txBody>
+      </p:sp>
+      <p:sp>
+        <p:nvSpPr>
+          <p:cNvPr id="6" name="Footer Placeholder 5"/>
+          <p:cNvSpPr>
+            <a:spLocks noGrp="1"/>
+          </p:cNvSpPr>
+          <p:nvPr>
+            <p:ph type="ftr" sz="quarter" idx="4"/>
+          </p:nvPr>
+        </p:nvSpPr>
+        <p:spPr>
+          <a:xfrm>
+            <a:off x="0" y="8685213"/>
+            <a:ext cx="2971800" cy="457200"/>
+          </a:xfrm>
+          <a:prstGeom prst="rect">
+            <a:avLst/>
+          </a:prstGeom>
+        </p:spPr>
+        <p:txBody>
+          <a:bodyPr vert="horz" lIns="91440" tIns="45720" rIns="91440" bIns="45720" rtlCol="0" anchor="b"/>
+          <a:lstStyle>
+            <a:lvl1pPr algn="l">
+              <a:defRPr sz="1200"/>
+            </a:lvl1pPr>
+          </a:lstStyle>
+          <a:p>
+            <a:endParaRPr lang="en-IN"/>
+          </a:p>
+        </p:txBody>
+      </p:sp>
+      <p:sp>
+        <p:nvSpPr>
+          <p:cNvPr id="7" name="Slide Number Placeholder 6"/>
+          <p:cNvSpPr>
+            <a:spLocks noGrp="1"/>
+          </p:cNvSpPr>
+          <p:nvPr>
+            <p:ph type="sldNum" sz="quarter" idx="5"/>
+          </p:nvPr>
+        </p:nvSpPr>
+        <p:spPr>
+          <a:xfrm>
+            <a:off x="3884613" y="8685213"/>
+            <a:ext cx="2971800" cy="457200"/>
+          </a:xfrm>
+          <a:prstGeom prst="rect">
+            <a:avLst/>
+          </a:prstGeom>
+        </p:spPr>
+        <p:txBody>
+          <a:bodyPr vert="horz" lIns="91440" tIns="45720" rIns="91440" bIns="45720" rtlCol="0" anchor="b"/>
+          <a:lstStyle>
+            <a:lvl1pPr algn="r">
+              <a:defRPr sz="1200"/>
+            </a:lvl1pPr>
+          </a:lstStyle>
+          <a:p>
+            <a:fld id="{7BD65006-C52B-4E7B-BBE3-FD8FEC960E60}" type="slidenum">
+              <a:rPr lang="en-IN" smtClean="0"/>
+              <a:t>‹#›</a:t>
+            </a:fld>
+            <a:endParaRPr lang="en-IN"/>
+          </a:p>
+        </p:txBody>
+      </p:sp>
+    </p:spTree>
+    <p:extLst>
+      <p:ext uri="{BB962C8B-B14F-4D97-AF65-F5344CB8AC3E}">
+        <p14:creationId xmlns:p14="http://schemas.microsoft.com/office/powerpoint/2010/main" val="1373106348"/>
+      </p:ext>
+    </p:extLst>
+  </p:cSld>
+  <p:clrMap bg1="lt1" tx1="dk1" bg2="lt2" tx2="dk2" accent1="accent1" accent2="accent2" accent3="accent3" accent4="accent4" accent5="accent5" accent6="accent6" hlink="hlink" folHlink="folHlink"/>
+  <p:notesStyle>
+    <a:lvl1pPr marL="0" algn="l" defTabSz="914400" rtl="0" eaLnBrk="1" latinLnBrk="0" hangingPunct="1">
+      <a:defRPr sz="1200" kern="1200">
+        <a:solidFill>
+          <a:schemeClr val="tx1"/>
+        </a:solidFill>
+        <a:latin typeface="+mn-lt"/>
+        <a:ea typeface="+mn-ea"/>
+        <a:cs typeface="+mn-cs"/>
+      </a:defRPr>
+    </a:lvl1pPr>
+    <a:lvl2pPr marL="457200" algn="l" defTabSz="914400" rtl="0" eaLnBrk="1" latinLnBrk="0" hangingPunct="1">
+      <a:defRPr sz="1200" kern="1200">
+        <a:solidFill>
+          <a:schemeClr val="tx1"/>
+        </a:solidFill>
+        <a:latin typeface="+mn-lt"/>
+        <a:ea typeface="+mn-ea"/>
+        <a:cs typeface="+mn-cs"/>
+      </a:defRPr>
+    </a:lvl2pPr>
+    <a:lvl3pPr marL="914400" algn="l" defTabSz="914400" rtl="0" eaLnBrk="1" latinLnBrk="0" hangingPunct="1">
+      <a:defRPr sz="1200" kern="1200">
+        <a:solidFill>
+          <a:schemeClr val="tx1"/>
+        </a:solidFill>
+        <a:latin typeface="+mn-lt"/>
+        <a:ea typeface="+mn-ea"/>
+        <a:cs typeface="+mn-cs"/>
+      </a:defRPr>
+    </a:lvl3pPr>
+    <a:lvl4pPr marL="1371600" algn="l" defTabSz="914400" rtl="0" eaLnBrk="1" latinLnBrk="0" hangingPunct="1">
+      <a:defRPr sz="1200" kern="1200">
+        <a:solidFill>
+          <a:schemeClr val="tx1"/>
+        </a:solidFill>
+        <a:latin typeface="+mn-lt"/>
+        <a:ea typeface="+mn-ea"/>
+        <a:cs typeface="+mn-cs"/>
+      </a:defRPr>
+    </a:lvl4pPr>
+    <a:lvl5pPr marL="1828800" algn="l" defTabSz="914400" rtl="0" eaLnBrk="1" latinLnBrk="0" hangingPunct="1">
+      <a:defRPr sz="1200" kern="1200">
+        <a:solidFill>
+          <a:schemeClr val="tx1"/>
+        </a:solidFill>
+        <a:latin typeface="+mn-lt"/>
+        <a:ea typeface="+mn-ea"/>
+        <a:cs typeface="+mn-cs"/>
+      </a:defRPr>
+    </a:lvl5pPr>
+    <a:lvl6pPr marL="2286000" algn="l" defTabSz="914400" rtl="0" eaLnBrk="1" latinLnBrk="0" hangingPunct="1">
+      <a:defRPr sz="1200" kern="1200">
+        <a:solidFill>
+          <a:schemeClr val="tx1"/>
+        </a:solidFill>
+        <a:latin typeface="+mn-lt"/>
+        <a:ea typeface="+mn-ea"/>
+        <a:cs typeface="+mn-cs"/>
+      </a:defRPr>
+    </a:lvl6pPr>
+    <a:lvl7pPr marL="2743200" algn="l" defTabSz="914400" rtl="0" eaLnBrk="1" latinLnBrk="0" hangingPunct="1">
+      <a:defRPr sz="1200" kern="1200">
+        <a:solidFill>
+          <a:schemeClr val="tx1"/>
+        </a:solidFill>
+        <a:latin typeface="+mn-lt"/>
+        <a:ea typeface="+mn-ea"/>
+        <a:cs typeface="+mn-cs"/>
+      </a:defRPr>
+    </a:lvl7pPr>
+    <a:lvl8pPr marL="3200400" algn="l" defTabSz="914400" rtl="0" eaLnBrk="1" latinLnBrk="0" hangingPunct="1">
+      <a:defRPr sz="1200" kern="1200">
+        <a:solidFill>
+          <a:schemeClr val="tx1"/>
+        </a:solidFill>
+        <a:latin typeface="+mn-lt"/>
+        <a:ea typeface="+mn-ea"/>
+        <a:cs typeface="+mn-cs"/>
+      </a:defRPr>
+    </a:lvl8pPr>
+    <a:lvl9pPr marL="3657600" algn="l" defTabSz="914400" rtl="0" eaLnBrk="1" latinLnBrk="0" hangingPunct="1">
+      <a:defRPr sz="1200" kern="1200">
+        <a:solidFill>
+          <a:schemeClr val="tx1"/>
+        </a:solidFill>
+        <a:latin typeface="+mn-lt"/>
+        <a:ea typeface="+mn-ea"/>
+        <a:cs typeface="+mn-cs"/>
+      </a:defRPr>
+    </a:lvl9pPr>
+  </p:notesStyle>
+</p:notesMaster>
+</file>
+
+<file path=ppt/notesSlides/notesSlide1.xml><?xml version="1.0" encoding="utf-8"?>
+<p:notes xmlns:a="http://schemas.openxmlformats.org/drawingml/2006/main" xmlns:r="http://schemas.openxmlformats.org/officeDocument/2006/relationships" xmlns:p="http://schemas.openxmlformats.org/presentationml/2006/main">
+  <p:cSld>
+    <p:spTree>
+      <p:nvGrpSpPr>
+        <p:cNvPr id="1" name=""/>
+        <p:cNvGrpSpPr/>
+        <p:nvPr/>
+      </p:nvGrpSpPr>
+      <p:grpSpPr>
+        <a:xfrm>
+          <a:off x="0" y="0"/>
+          <a:ext cx="0" cy="0"/>
+          <a:chOff x="0" y="0"/>
+          <a:chExt cx="0" cy="0"/>
+        </a:xfrm>
+      </p:grpSpPr>
+      <p:sp>
+        <p:nvSpPr>
+          <p:cNvPr id="2" name="Slide Image Placeholder 1"/>
+          <p:cNvSpPr>
+            <a:spLocks noGrp="1" noRot="1" noChangeAspect="1"/>
+          </p:cNvSpPr>
+          <p:nvPr>
+            <p:ph type="sldImg"/>
+          </p:nvPr>
+        </p:nvSpPr>
+        <p:spPr/>
+      </p:sp>
+      <p:sp>
+        <p:nvSpPr>
+          <p:cNvPr id="3" name="Notes Placeholder 2"/>
+          <p:cNvSpPr>
+            <a:spLocks noGrp="1"/>
+          </p:cNvSpPr>
+          <p:nvPr>
+            <p:ph type="body" idx="1"/>
+          </p:nvPr>
+        </p:nvSpPr>
+        <p:spPr/>
+        <p:txBody>
+          <a:bodyPr/>
+          <a:lstStyle/>
+          <a:p>
+            <a:endParaRPr lang="en-IN" dirty="0"/>
+          </a:p>
+        </p:txBody>
+      </p:sp>
+      <p:sp>
+        <p:nvSpPr>
+          <p:cNvPr id="4" name="Slide Number Placeholder 3"/>
+          <p:cNvSpPr>
+            <a:spLocks noGrp="1"/>
+          </p:cNvSpPr>
+          <p:nvPr>
+            <p:ph type="sldNum" sz="quarter" idx="10"/>
+          </p:nvPr>
+        </p:nvSpPr>
+        <p:spPr/>
+        <p:txBody>
+          <a:bodyPr/>
+          <a:lstStyle/>
+          <a:p>
+            <a:fld id="{7BD65006-C52B-4E7B-BBE3-FD8FEC960E60}" type="slidenum">
+              <a:rPr lang="en-IN" smtClean="0"/>
+              <a:t>2</a:t>
+            </a:fld>
+            <a:endParaRPr lang="en-IN"/>
+          </a:p>
+        </p:txBody>
+      </p:sp>
+    </p:spTree>
+    <p:extLst>
+      <p:ext uri="{BB962C8B-B14F-4D97-AF65-F5344CB8AC3E}">
+        <p14:creationId xmlns:p14="http://schemas.microsoft.com/office/powerpoint/2010/main" val="670681385"/>
+      </p:ext>
+    </p:extLst>
+  </p:cSld>
+  <p:clrMapOvr>
+    <a:masterClrMapping/>
+  </p:clrMapOvr>
+</p:notes>
+</file>
+
+<file path=ppt/notesSlides/notesSlide2.xml><?xml version="1.0" encoding="utf-8"?>
+<p:notes xmlns:a="http://schemas.openxmlformats.org/drawingml/2006/main" xmlns:r="http://schemas.openxmlformats.org/officeDocument/2006/relationships" xmlns:p="http://schemas.openxmlformats.org/presentationml/2006/main">
+  <p:cSld>
+    <p:spTree>
+      <p:nvGrpSpPr>
+        <p:cNvPr id="1" name=""/>
+        <p:cNvGrpSpPr/>
+        <p:nvPr/>
+      </p:nvGrpSpPr>
+      <p:grpSpPr>
+        <a:xfrm>
+          <a:off x="0" y="0"/>
+          <a:ext cx="0" cy="0"/>
+          <a:chOff x="0" y="0"/>
+          <a:chExt cx="0" cy="0"/>
+        </a:xfrm>
+      </p:grpSpPr>
+      <p:sp>
+        <p:nvSpPr>
+          <p:cNvPr id="2" name="Slide Image Placeholder 1"/>
+          <p:cNvSpPr>
+            <a:spLocks noGrp="1" noRot="1" noChangeAspect="1"/>
+          </p:cNvSpPr>
+          <p:nvPr>
+            <p:ph type="sldImg"/>
+          </p:nvPr>
+        </p:nvSpPr>
+        <p:spPr/>
+      </p:sp>
+      <p:sp>
+        <p:nvSpPr>
+          <p:cNvPr id="3" name="Notes Placeholder 2"/>
+          <p:cNvSpPr>
+            <a:spLocks noGrp="1"/>
+          </p:cNvSpPr>
+          <p:nvPr>
+            <p:ph type="body" idx="1"/>
+          </p:nvPr>
+        </p:nvSpPr>
+        <p:spPr/>
+        <p:txBody>
+          <a:bodyPr/>
+          <a:lstStyle/>
+          <a:p>
+            <a:endParaRPr lang="en-IN" dirty="0"/>
+          </a:p>
+        </p:txBody>
+      </p:sp>
+      <p:sp>
+        <p:nvSpPr>
+          <p:cNvPr id="4" name="Slide Number Placeholder 3"/>
+          <p:cNvSpPr>
+            <a:spLocks noGrp="1"/>
+          </p:cNvSpPr>
+          <p:nvPr>
+            <p:ph type="sldNum" sz="quarter" idx="10"/>
+          </p:nvPr>
+        </p:nvSpPr>
+        <p:spPr/>
+        <p:txBody>
+          <a:bodyPr/>
+          <a:lstStyle/>
+          <a:p>
+            <a:fld id="{7BD65006-C52B-4E7B-BBE3-FD8FEC960E60}" type="slidenum">
+              <a:rPr lang="en-IN" smtClean="0"/>
+              <a:t>3</a:t>
+            </a:fld>
+            <a:endParaRPr lang="en-IN"/>
+          </a:p>
+        </p:txBody>
+      </p:sp>
+    </p:spTree>
+    <p:extLst>
+      <p:ext uri="{BB962C8B-B14F-4D97-AF65-F5344CB8AC3E}">
+        <p14:creationId xmlns:p14="http://schemas.microsoft.com/office/powerpoint/2010/main" val="670681385"/>
+      </p:ext>
+    </p:extLst>
+  </p:cSld>
+  <p:clrMapOvr>
+    <a:masterClrMapping/>
+  </p:clrMapOvr>
+</p:notes>
 </file>
 
 <file path=ppt/slideLayouts/slideLayout1.xml><?xml version="1.0" encoding="utf-8"?>
@@ -3140,67 +3663,197 @@
             </a:r>
             <a:r>
               <a:rPr lang="en-IN" sz="1600" dirty="0" smtClean="0"/>
-              <a:t> v8 as engine and LIBUV</a:t>
+              <a:t> </a:t>
+            </a:r>
+            <a:r>
+              <a:rPr lang="en-IN" sz="1600" dirty="0">
+                <a:solidFill>
+                  <a:srgbClr val="002060"/>
+                </a:solidFill>
+              </a:rPr>
+              <a:t>v8 as engine and LIBUV</a:t>
             </a:r>
           </a:p>
           <a:p>
             <a:pPr algn="l"/>
             <a:r>
-              <a:rPr lang="en-IN" sz="1600" dirty="0" smtClean="0"/>
+              <a:rPr lang="en-IN" sz="1600" dirty="0">
+                <a:solidFill>
+                  <a:srgbClr val="002060"/>
+                </a:solidFill>
+              </a:rPr>
               <a:t>2. Since browser has only V8 engine, it does not </a:t>
             </a:r>
           </a:p>
           <a:p>
             <a:pPr algn="l"/>
             <a:r>
-              <a:rPr lang="en-IN" sz="1600" dirty="0"/>
-              <a:t> </a:t>
-            </a:r>
-            <a:r>
-              <a:rPr lang="en-IN" sz="1600" dirty="0" smtClean="0"/>
-              <a:t>   access file system for security reason</a:t>
-            </a:r>
+              <a:rPr lang="en-IN" sz="1600" dirty="0">
+                <a:solidFill>
+                  <a:srgbClr val="002060"/>
+                </a:solidFill>
+              </a:rPr>
+              <a:t>    access file system for security </a:t>
+            </a:r>
+            <a:r>
+              <a:rPr lang="en-IN" sz="1600" dirty="0" smtClean="0">
+                <a:solidFill>
+                  <a:srgbClr val="002060"/>
+                </a:solidFill>
+              </a:rPr>
+              <a:t>reason. V8 engine is written in </a:t>
+            </a:r>
+            <a:r>
+              <a:rPr lang="en-IN" sz="1600" dirty="0" err="1" smtClean="0">
+                <a:solidFill>
+                  <a:srgbClr val="002060"/>
+                </a:solidFill>
+              </a:rPr>
+              <a:t>javascript</a:t>
+            </a:r>
+            <a:r>
+              <a:rPr lang="en-IN" sz="1600" dirty="0" smtClean="0">
+                <a:solidFill>
+                  <a:srgbClr val="002060"/>
+                </a:solidFill>
+              </a:rPr>
+              <a:t> and C++</a:t>
+            </a:r>
+            <a:endParaRPr lang="en-IN" sz="1600" dirty="0">
+              <a:solidFill>
+                <a:srgbClr val="002060"/>
+              </a:solidFill>
+            </a:endParaRPr>
           </a:p>
           <a:p>
             <a:pPr algn="l"/>
             <a:r>
-              <a:rPr lang="en-IN" sz="1600" dirty="0" smtClean="0"/>
+              <a:rPr lang="en-IN" sz="1600" dirty="0">
+                <a:solidFill>
+                  <a:srgbClr val="002060"/>
+                </a:solidFill>
+              </a:rPr>
               <a:t>3. However, </a:t>
             </a:r>
             <a:r>
-              <a:rPr lang="en-IN" sz="1600" dirty="0" err="1" smtClean="0"/>
+              <a:rPr lang="en-IN" sz="1600" dirty="0" err="1">
+                <a:solidFill>
+                  <a:srgbClr val="002060"/>
+                </a:solidFill>
+              </a:rPr>
               <a:t>LiBUV</a:t>
             </a:r>
             <a:r>
-              <a:rPr lang="en-IN" sz="1600" dirty="0" smtClean="0"/>
+              <a:rPr lang="en-IN" sz="1600" dirty="0">
+                <a:solidFill>
+                  <a:srgbClr val="002060"/>
+                </a:solidFill>
+              </a:rPr>
               <a:t> allows </a:t>
             </a:r>
             <a:r>
-              <a:rPr lang="en-IN" sz="1600" dirty="0" err="1" smtClean="0"/>
+              <a:rPr lang="en-IN" sz="1600" dirty="0" err="1">
+                <a:solidFill>
+                  <a:srgbClr val="002060"/>
+                </a:solidFill>
+              </a:rPr>
               <a:t>NodeJS</a:t>
             </a:r>
             <a:r>
-              <a:rPr lang="en-IN" sz="1600" dirty="0" smtClean="0"/>
+              <a:rPr lang="en-IN" sz="1600" dirty="0">
+                <a:solidFill>
+                  <a:srgbClr val="002060"/>
+                </a:solidFill>
+              </a:rPr>
               <a:t> to allow file system and</a:t>
             </a:r>
           </a:p>
           <a:p>
             <a:pPr algn="l"/>
             <a:r>
-              <a:rPr lang="en-IN" sz="1600"/>
-              <a:t> </a:t>
-            </a:r>
-            <a:r>
-              <a:rPr lang="en-IN" sz="1600" smtClean="0"/>
-              <a:t>networking  </a:t>
-            </a:r>
-            <a:endParaRPr lang="en-IN" sz="1600" dirty="0"/>
+              <a:rPr lang="en-IN" sz="1600" dirty="0">
+                <a:solidFill>
+                  <a:srgbClr val="002060"/>
+                </a:solidFill>
+              </a:rPr>
+              <a:t> networking  . LIBUV completely written in C++.</a:t>
+            </a:r>
+          </a:p>
+          <a:p>
+            <a:pPr algn="l"/>
+            <a:r>
+              <a:rPr lang="en-IN" sz="1600" dirty="0">
+                <a:solidFill>
+                  <a:srgbClr val="002060"/>
+                </a:solidFill>
+              </a:rPr>
+              <a:t>4. </a:t>
+            </a:r>
+            <a:r>
+              <a:rPr lang="en-IN" sz="1600" dirty="0" err="1">
+                <a:solidFill>
+                  <a:srgbClr val="002060"/>
+                </a:solidFill>
+              </a:rPr>
+              <a:t>EventLoop</a:t>
+            </a:r>
+            <a:r>
+              <a:rPr lang="en-IN" sz="1600" dirty="0">
+                <a:solidFill>
+                  <a:srgbClr val="002060"/>
+                </a:solidFill>
+              </a:rPr>
+              <a:t> is responsible for executing easy task like </a:t>
+            </a:r>
+            <a:r>
+              <a:rPr lang="en-IN" sz="1600" dirty="0" err="1">
+                <a:solidFill>
+                  <a:srgbClr val="002060"/>
+                </a:solidFill>
+              </a:rPr>
+              <a:t>callback</a:t>
+            </a:r>
+            <a:r>
+              <a:rPr lang="en-IN" sz="1600" dirty="0">
+                <a:solidFill>
+                  <a:srgbClr val="002060"/>
+                </a:solidFill>
+              </a:rPr>
+              <a:t> function and </a:t>
+            </a:r>
+            <a:r>
+              <a:rPr lang="en-IN" sz="1600" dirty="0" err="1">
+                <a:solidFill>
+                  <a:srgbClr val="002060"/>
+                </a:solidFill>
+              </a:rPr>
+              <a:t>netword</a:t>
+            </a:r>
+            <a:r>
+              <a:rPr lang="en-IN" sz="1600" dirty="0">
+                <a:solidFill>
+                  <a:srgbClr val="002060"/>
+                </a:solidFill>
+              </a:rPr>
+              <a:t> IOS</a:t>
+            </a:r>
+          </a:p>
+          <a:p>
+            <a:pPr algn="l"/>
+            <a:r>
+              <a:rPr lang="en-IN" sz="1600" dirty="0">
+                <a:solidFill>
+                  <a:srgbClr val="002060"/>
+                </a:solidFill>
+              </a:rPr>
+              <a:t>5. Thread pool for heavy task like file access and compression</a:t>
+            </a:r>
           </a:p>
         </p:txBody>
       </p:sp>
       <p:pic>
         <p:nvPicPr>
-          <p:cNvPr id="1026" name="Picture 2"/>
+          <p:cNvPr id="1028" name="Picture 4"/>
           <p:cNvPicPr>
             <a:picLocks noChangeAspect="1" noChangeArrowheads="1"/>
           </p:cNvPicPr>
@@ -3221,8 +3874,8 @@
         </p:blipFill>
         <p:spPr bwMode="auto">
           <a:xfrm>
-            <a:off x="5148064" y="332656"/>
-            <a:ext cx="3441483" cy="2016224"/>
+            <a:off x="93663" y="2564904"/>
+            <a:ext cx="8955087" cy="3960440"/>
           </a:xfrm>
           <a:prstGeom prst="rect">
             <a:avLst/>
@@ -3266,6 +3919,737 @@
     <p:extLst>
       <p:ext uri="{BB962C8B-B14F-4D97-AF65-F5344CB8AC3E}">
         <p14:creationId xmlns:p14="http://schemas.microsoft.com/office/powerpoint/2010/main" val="481044642"/>
+      </p:ext>
+    </p:extLst>
+  </p:cSld>
+  <p:clrMapOvr>
+    <a:masterClrMapping/>
+  </p:clrMapOvr>
+</p:sld>
+</file>
+
+<file path=ppt/slides/slide2.xml><?xml version="1.0" encoding="utf-8"?>
+<p:sld xmlns:a="http://schemas.openxmlformats.org/drawingml/2006/main" xmlns:r="http://schemas.openxmlformats.org/officeDocument/2006/relationships" xmlns:p="http://schemas.openxmlformats.org/presentationml/2006/main">
+  <p:cSld>
+    <p:spTree>
+      <p:nvGrpSpPr>
+        <p:cNvPr id="1" name=""/>
+        <p:cNvGrpSpPr/>
+        <p:nvPr/>
+      </p:nvGrpSpPr>
+      <p:grpSpPr>
+        <a:xfrm>
+          <a:off x="0" y="0"/>
+          <a:ext cx="0" cy="0"/>
+          <a:chOff x="0" y="0"/>
+          <a:chExt cx="0" cy="0"/>
+        </a:xfrm>
+      </p:grpSpPr>
+      <p:sp>
+        <p:nvSpPr>
+          <p:cNvPr id="3" name="Subtitle 2"/>
+          <p:cNvSpPr>
+            <a:spLocks noGrp="1"/>
+          </p:cNvSpPr>
+          <p:nvPr>
+            <p:ph type="subTitle" idx="1"/>
+          </p:nvPr>
+        </p:nvSpPr>
+        <p:spPr>
+          <a:xfrm>
+            <a:off x="107504" y="116632"/>
+            <a:ext cx="8928992" cy="6624736"/>
+          </a:xfrm>
+        </p:spPr>
+        <p:txBody>
+          <a:bodyPr>
+            <a:normAutofit/>
+          </a:bodyPr>
+          <a:lstStyle/>
+          <a:p>
+            <a:pPr marL="342900" indent="-342900" algn="l">
+              <a:buAutoNum type="arabicPeriod"/>
+            </a:pPr>
+            <a:r>
+              <a:rPr lang="en-IN" sz="1600" dirty="0" smtClean="0"/>
+              <a:t>All top level code like </a:t>
+            </a:r>
+            <a:r>
+              <a:rPr lang="en-IN" sz="1600" dirty="0" err="1" smtClean="0"/>
+              <a:t>someTask</a:t>
+            </a:r>
+            <a:r>
+              <a:rPr lang="en-IN" sz="1600" dirty="0" smtClean="0"/>
+              <a:t>() and console.log is </a:t>
+            </a:r>
+            <a:r>
+              <a:rPr lang="en-IN" sz="1600" dirty="0" err="1" smtClean="0"/>
+              <a:t>exceuted</a:t>
+            </a:r>
+            <a:r>
+              <a:rPr lang="en-IN" sz="1600" dirty="0" smtClean="0"/>
+              <a:t> in Main Thread.</a:t>
+            </a:r>
+          </a:p>
+          <a:p>
+            <a:pPr marL="342900" indent="-342900" algn="l">
+              <a:buAutoNum type="arabicPeriod"/>
+            </a:pPr>
+            <a:r>
+              <a:rPr lang="en-IN" sz="1600" dirty="0" smtClean="0">
+                <a:solidFill>
+                  <a:srgbClr val="002060"/>
+                </a:solidFill>
+              </a:rPr>
+              <a:t>Top level code means the one which does not have </a:t>
+            </a:r>
+            <a:r>
+              <a:rPr lang="en-IN" sz="1600" dirty="0" err="1" smtClean="0">
+                <a:solidFill>
+                  <a:srgbClr val="002060"/>
+                </a:solidFill>
+              </a:rPr>
+              <a:t>callback</a:t>
+            </a:r>
+            <a:r>
+              <a:rPr lang="en-IN" sz="1600" dirty="0" smtClean="0">
+                <a:solidFill>
+                  <a:srgbClr val="002060"/>
+                </a:solidFill>
+              </a:rPr>
+              <a:t> function</a:t>
+            </a:r>
+          </a:p>
+          <a:p>
+            <a:pPr marL="342900" indent="-342900" algn="l">
+              <a:buAutoNum type="arabicPeriod"/>
+            </a:pPr>
+            <a:r>
+              <a:rPr lang="en-IN" sz="1600" dirty="0" smtClean="0">
+                <a:solidFill>
+                  <a:srgbClr val="002060"/>
+                </a:solidFill>
+              </a:rPr>
+              <a:t>All other codes which runs asynchronously Runs in background</a:t>
+            </a:r>
+          </a:p>
+          <a:p>
+            <a:pPr marL="342900" indent="-342900" algn="l">
+              <a:buAutoNum type="arabicPeriod"/>
+            </a:pPr>
+            <a:r>
+              <a:rPr lang="en-IN" sz="1600" dirty="0" smtClean="0">
+                <a:solidFill>
+                  <a:srgbClr val="002060"/>
+                </a:solidFill>
+              </a:rPr>
+              <a:t>And that background in Thread Pool.</a:t>
+            </a:r>
+          </a:p>
+          <a:p>
+            <a:pPr marL="342900" indent="-342900" algn="l">
+              <a:buAutoNum type="arabicPeriod"/>
+            </a:pPr>
+            <a:r>
+              <a:rPr lang="en-IN" sz="1600" dirty="0" smtClean="0">
+                <a:solidFill>
+                  <a:srgbClr val="002060"/>
+                </a:solidFill>
+              </a:rPr>
+              <a:t>So function here like </a:t>
+            </a:r>
+            <a:r>
+              <a:rPr lang="en-IN" sz="1600" dirty="0" err="1" smtClean="0">
+                <a:solidFill>
+                  <a:srgbClr val="002060"/>
+                </a:solidFill>
+              </a:rPr>
+              <a:t>readFile</a:t>
+            </a:r>
+            <a:r>
+              <a:rPr lang="en-IN" sz="1600" dirty="0" smtClean="0">
+                <a:solidFill>
+                  <a:srgbClr val="002060"/>
+                </a:solidFill>
+              </a:rPr>
+              <a:t> and </a:t>
+            </a:r>
+            <a:r>
+              <a:rPr lang="en-IN" sz="1600" dirty="0" err="1" smtClean="0">
+                <a:solidFill>
+                  <a:srgbClr val="002060"/>
+                </a:solidFill>
+              </a:rPr>
+              <a:t>createServer</a:t>
+            </a:r>
+            <a:r>
+              <a:rPr lang="en-IN" sz="1600" dirty="0" smtClean="0">
+                <a:solidFill>
+                  <a:srgbClr val="002060"/>
+                </a:solidFill>
+              </a:rPr>
+              <a:t> runs in Thread Pool</a:t>
+            </a:r>
+          </a:p>
+          <a:p>
+            <a:pPr marL="342900" indent="-342900" algn="l">
+              <a:buAutoNum type="arabicPeriod"/>
+            </a:pPr>
+            <a:r>
+              <a:rPr lang="en-IN" sz="1600" dirty="0" smtClean="0">
+                <a:solidFill>
+                  <a:srgbClr val="002060"/>
+                </a:solidFill>
+              </a:rPr>
+              <a:t>After the above function is done with processing in Thread pool, the </a:t>
+            </a:r>
+            <a:r>
+              <a:rPr lang="en-IN" sz="1600" dirty="0" err="1" smtClean="0">
+                <a:solidFill>
+                  <a:srgbClr val="002060"/>
+                </a:solidFill>
+              </a:rPr>
+              <a:t>callback</a:t>
+            </a:r>
+            <a:r>
+              <a:rPr lang="en-IN" sz="1600" dirty="0" smtClean="0">
+                <a:solidFill>
+                  <a:srgbClr val="002060"/>
+                </a:solidFill>
+              </a:rPr>
+              <a:t> attached to these functions are moved into </a:t>
+            </a:r>
+            <a:r>
+              <a:rPr lang="en-IN" sz="1600" dirty="0" err="1" smtClean="0">
+                <a:solidFill>
+                  <a:srgbClr val="002060"/>
+                </a:solidFill>
+              </a:rPr>
+              <a:t>EventLoop</a:t>
+            </a:r>
+            <a:r>
+              <a:rPr lang="en-IN" sz="1600" dirty="0">
+                <a:solidFill>
+                  <a:srgbClr val="002060"/>
+                </a:solidFill>
+              </a:rPr>
+              <a:t> </a:t>
+            </a:r>
+            <a:r>
+              <a:rPr lang="en-IN" sz="1600" dirty="0" smtClean="0">
+                <a:solidFill>
+                  <a:srgbClr val="002060"/>
+                </a:solidFill>
+              </a:rPr>
+              <a:t>and waits inside the </a:t>
+            </a:r>
+            <a:r>
+              <a:rPr lang="en-IN" sz="1600" dirty="0" err="1" smtClean="0">
+                <a:solidFill>
+                  <a:srgbClr val="002060"/>
+                </a:solidFill>
+              </a:rPr>
+              <a:t>EventLoop</a:t>
+            </a:r>
+            <a:endParaRPr lang="en-IN" sz="1600" dirty="0" smtClean="0">
+              <a:solidFill>
+                <a:srgbClr val="002060"/>
+              </a:solidFill>
+            </a:endParaRPr>
+          </a:p>
+          <a:p>
+            <a:pPr marL="342900" indent="-342900" algn="l">
+              <a:buAutoNum type="arabicPeriod"/>
+            </a:pPr>
+            <a:r>
+              <a:rPr lang="en-IN" sz="1600" dirty="0" smtClean="0">
+                <a:solidFill>
+                  <a:srgbClr val="002060"/>
+                </a:solidFill>
+              </a:rPr>
+              <a:t>The </a:t>
+            </a:r>
+            <a:r>
+              <a:rPr lang="en-IN" sz="1600" dirty="0" err="1" smtClean="0">
+                <a:solidFill>
+                  <a:srgbClr val="002060"/>
+                </a:solidFill>
+              </a:rPr>
+              <a:t>callback</a:t>
+            </a:r>
+            <a:r>
+              <a:rPr lang="en-IN" sz="1600" dirty="0" smtClean="0">
+                <a:solidFill>
+                  <a:srgbClr val="002060"/>
+                </a:solidFill>
+              </a:rPr>
+              <a:t> is </a:t>
+            </a:r>
+            <a:r>
+              <a:rPr lang="en-IN" sz="1600" dirty="0" err="1" smtClean="0">
+                <a:solidFill>
+                  <a:srgbClr val="002060"/>
+                </a:solidFill>
+              </a:rPr>
+              <a:t>exceuted</a:t>
+            </a:r>
+            <a:r>
+              <a:rPr lang="en-IN" sz="1600" dirty="0" smtClean="0">
+                <a:solidFill>
+                  <a:srgbClr val="002060"/>
+                </a:solidFill>
+              </a:rPr>
+              <a:t> in </a:t>
+            </a:r>
+            <a:r>
+              <a:rPr lang="en-IN" sz="1600" dirty="0" err="1" smtClean="0">
+                <a:solidFill>
+                  <a:srgbClr val="002060"/>
+                </a:solidFill>
+              </a:rPr>
+              <a:t>Mainthread</a:t>
+            </a:r>
+            <a:r>
+              <a:rPr lang="en-IN" sz="1600" dirty="0" smtClean="0">
+                <a:solidFill>
+                  <a:srgbClr val="002060"/>
+                </a:solidFill>
+              </a:rPr>
+              <a:t>  when </a:t>
+            </a:r>
+            <a:r>
+              <a:rPr lang="en-IN" sz="1600" dirty="0" err="1" smtClean="0">
+                <a:solidFill>
+                  <a:srgbClr val="002060"/>
+                </a:solidFill>
+              </a:rPr>
+              <a:t>MainThread</a:t>
+            </a:r>
+            <a:r>
+              <a:rPr lang="en-IN" sz="1600" dirty="0" smtClean="0">
+                <a:solidFill>
+                  <a:srgbClr val="002060"/>
+                </a:solidFill>
+              </a:rPr>
+              <a:t> is empty</a:t>
+            </a:r>
+          </a:p>
+          <a:p>
+            <a:pPr marL="342900" indent="-342900" algn="l">
+              <a:buAutoNum type="arabicPeriod"/>
+            </a:pPr>
+            <a:r>
+              <a:rPr lang="en-IN" sz="1600" dirty="0" smtClean="0">
+                <a:solidFill>
+                  <a:srgbClr val="002060"/>
+                </a:solidFill>
+              </a:rPr>
+              <a:t>So when all the top level function execution done in </a:t>
+            </a:r>
+            <a:r>
+              <a:rPr lang="en-IN" sz="1600" dirty="0" err="1" smtClean="0">
+                <a:solidFill>
+                  <a:srgbClr val="002060"/>
+                </a:solidFill>
+              </a:rPr>
+              <a:t>MainThread</a:t>
+            </a:r>
+            <a:r>
+              <a:rPr lang="en-IN" sz="1600" dirty="0" smtClean="0">
+                <a:solidFill>
+                  <a:srgbClr val="002060"/>
+                </a:solidFill>
+              </a:rPr>
+              <a:t>, then </a:t>
+            </a:r>
+            <a:r>
+              <a:rPr lang="en-IN" sz="1600" dirty="0" err="1" smtClean="0">
+                <a:solidFill>
+                  <a:srgbClr val="002060"/>
+                </a:solidFill>
+              </a:rPr>
+              <a:t>callback</a:t>
+            </a:r>
+            <a:r>
+              <a:rPr lang="en-IN" sz="1600" dirty="0" smtClean="0">
+                <a:solidFill>
+                  <a:srgbClr val="002060"/>
+                </a:solidFill>
+              </a:rPr>
+              <a:t> function sitting in </a:t>
+            </a:r>
+            <a:r>
+              <a:rPr lang="en-IN" sz="1600" dirty="0" err="1" smtClean="0">
+                <a:solidFill>
+                  <a:srgbClr val="002060"/>
+                </a:solidFill>
+              </a:rPr>
+              <a:t>EventLoop</a:t>
+            </a:r>
+            <a:r>
+              <a:rPr lang="en-IN" sz="1600" dirty="0" smtClean="0">
+                <a:solidFill>
+                  <a:srgbClr val="002060"/>
+                </a:solidFill>
+              </a:rPr>
+              <a:t> gets chance to be run in </a:t>
+            </a:r>
+            <a:r>
+              <a:rPr lang="en-IN" sz="1600" dirty="0" err="1" smtClean="0">
+                <a:solidFill>
+                  <a:srgbClr val="002060"/>
+                </a:solidFill>
+              </a:rPr>
+              <a:t>MainThread</a:t>
+            </a:r>
+            <a:endParaRPr lang="en-IN" sz="1600" dirty="0">
+              <a:solidFill>
+                <a:srgbClr val="002060"/>
+              </a:solidFill>
+            </a:endParaRPr>
+          </a:p>
+        </p:txBody>
+      </p:sp>
+      <p:pic>
+        <p:nvPicPr>
+          <p:cNvPr id="2051" name="Picture 3"/>
+          <p:cNvPicPr>
+            <a:picLocks noChangeAspect="1" noChangeArrowheads="1"/>
+          </p:cNvPicPr>
+          <p:nvPr/>
+        </p:nvPicPr>
+        <p:blipFill>
+          <a:blip r:embed="rId3">
+            <a:extLst>
+              <a:ext uri="{28A0092B-C50C-407E-A947-70E740481C1C}">
+                <a14:useLocalDpi xmlns:a14="http://schemas.microsoft.com/office/drawing/2010/main" val="0"/>
+              </a:ext>
+            </a:extLst>
+          </a:blip>
+          <a:srcRect/>
+          <a:stretch>
+            <a:fillRect/>
+          </a:stretch>
+        </p:blipFill>
+        <p:spPr bwMode="auto">
+          <a:xfrm>
+            <a:off x="251520" y="3043752"/>
+            <a:ext cx="8712968" cy="3553600"/>
+          </a:xfrm>
+          <a:prstGeom prst="rect">
+            <a:avLst/>
+          </a:prstGeom>
+          <a:noFill/>
+          <a:ln>
+            <a:noFill/>
+          </a:ln>
+          <a:effectLst/>
+          <a:extLst>
+            <a:ext uri="{909E8E84-426E-40DD-AFC4-6F175D3DCCD1}">
+              <a14:hiddenFill xmlns:a14="http://schemas.microsoft.com/office/drawing/2010/main">
+                <a:solidFill>
+                  <a:schemeClr val="accent1"/>
+                </a:solidFill>
+              </a14:hiddenFill>
+            </a:ext>
+            <a:ext uri="{91240B29-F687-4F45-9708-019B960494DF}">
+              <a14:hiddenLine xmlns:a14="http://schemas.microsoft.com/office/drawing/2010/main" w="9525">
+                <a:solidFill>
+                  <a:schemeClr val="tx1"/>
+                </a:solidFill>
+                <a:miter lim="800000"/>
+                <a:headEnd/>
+                <a:tailEnd/>
+              </a14:hiddenLine>
+            </a:ext>
+            <a:ext uri="{AF507438-7753-43E0-B8FC-AC1667EBCBE1}">
+              <a14:hiddenEffects xmlns:a14="http://schemas.microsoft.com/office/drawing/2010/main">
+                <a:effectLst>
+                  <a:outerShdw dist="35921" dir="2700000" algn="ctr" rotWithShape="0">
+                    <a:schemeClr val="bg2"/>
+                  </a:outerShdw>
+                </a:effectLst>
+              </a14:hiddenEffects>
+            </a:ext>
+          </a:extLst>
+        </p:spPr>
+      </p:pic>
+    </p:spTree>
+    <p:extLst>
+      <p:ext uri="{BB962C8B-B14F-4D97-AF65-F5344CB8AC3E}">
+        <p14:creationId xmlns:p14="http://schemas.microsoft.com/office/powerpoint/2010/main" val="1668563917"/>
+      </p:ext>
+    </p:extLst>
+  </p:cSld>
+  <p:clrMapOvr>
+    <a:masterClrMapping/>
+  </p:clrMapOvr>
+</p:sld>
+</file>
+
+<file path=ppt/slides/slide3.xml><?xml version="1.0" encoding="utf-8"?>
+<p:sld xmlns:a="http://schemas.openxmlformats.org/drawingml/2006/main" xmlns:r="http://schemas.openxmlformats.org/officeDocument/2006/relationships" xmlns:p="http://schemas.openxmlformats.org/presentationml/2006/main">
+  <p:cSld>
+    <p:spTree>
+      <p:nvGrpSpPr>
+        <p:cNvPr id="1" name=""/>
+        <p:cNvGrpSpPr/>
+        <p:nvPr/>
+      </p:nvGrpSpPr>
+      <p:grpSpPr>
+        <a:xfrm>
+          <a:off x="0" y="0"/>
+          <a:ext cx="0" cy="0"/>
+          <a:chOff x="0" y="0"/>
+          <a:chExt cx="0" cy="0"/>
+        </a:xfrm>
+      </p:grpSpPr>
+      <p:sp>
+        <p:nvSpPr>
+          <p:cNvPr id="3" name="Subtitle 2"/>
+          <p:cNvSpPr>
+            <a:spLocks noGrp="1"/>
+          </p:cNvSpPr>
+          <p:nvPr>
+            <p:ph type="subTitle" idx="1"/>
+          </p:nvPr>
+        </p:nvSpPr>
+        <p:spPr>
+          <a:xfrm>
+            <a:off x="107504" y="116632"/>
+            <a:ext cx="8928992" cy="6624736"/>
+          </a:xfrm>
+        </p:spPr>
+        <p:txBody>
+          <a:bodyPr>
+            <a:normAutofit/>
+          </a:bodyPr>
+          <a:lstStyle/>
+          <a:p>
+            <a:pPr algn="l"/>
+            <a:r>
+              <a:rPr lang="en-IN" sz="1600" dirty="0" smtClean="0">
+                <a:solidFill>
+                  <a:srgbClr val="002060"/>
+                </a:solidFill>
+              </a:rPr>
+              <a:t>9. The </a:t>
+            </a:r>
+            <a:r>
+              <a:rPr lang="en-IN" sz="1600" dirty="0" err="1" smtClean="0">
+                <a:solidFill>
+                  <a:srgbClr val="002060"/>
+                </a:solidFill>
+              </a:rPr>
+              <a:t>callback</a:t>
+            </a:r>
+            <a:r>
+              <a:rPr lang="en-IN" sz="1600" dirty="0" smtClean="0">
+                <a:solidFill>
+                  <a:srgbClr val="002060"/>
+                </a:solidFill>
+              </a:rPr>
+              <a:t> functions is pushed by </a:t>
+            </a:r>
+            <a:r>
+              <a:rPr lang="en-IN" sz="1600" dirty="0" err="1" smtClean="0">
+                <a:solidFill>
+                  <a:srgbClr val="002060"/>
+                </a:solidFill>
+              </a:rPr>
+              <a:t>EvenLoop</a:t>
+            </a:r>
+            <a:r>
+              <a:rPr lang="en-IN" sz="1600" dirty="0" smtClean="0">
+                <a:solidFill>
+                  <a:srgbClr val="002060"/>
+                </a:solidFill>
+              </a:rPr>
+              <a:t> into </a:t>
+            </a:r>
+            <a:r>
+              <a:rPr lang="en-IN" sz="1600" dirty="0" err="1" smtClean="0">
+                <a:solidFill>
+                  <a:srgbClr val="002060"/>
+                </a:solidFill>
+              </a:rPr>
+              <a:t>MainThread</a:t>
+            </a:r>
+            <a:endParaRPr lang="en-IN" sz="1600" dirty="0" smtClean="0">
+              <a:solidFill>
+                <a:srgbClr val="002060"/>
+              </a:solidFill>
+            </a:endParaRPr>
+          </a:p>
+          <a:p>
+            <a:pPr algn="l"/>
+            <a:r>
+              <a:rPr lang="en-IN" sz="1600" dirty="0" smtClean="0">
+                <a:solidFill>
+                  <a:srgbClr val="002060"/>
+                </a:solidFill>
+              </a:rPr>
+              <a:t>10. Important point: If the </a:t>
+            </a:r>
+            <a:r>
+              <a:rPr lang="en-IN" sz="1600" dirty="0" err="1" smtClean="0">
+                <a:solidFill>
+                  <a:srgbClr val="002060"/>
+                </a:solidFill>
+              </a:rPr>
+              <a:t>callback</a:t>
+            </a:r>
+            <a:r>
+              <a:rPr lang="en-IN" sz="1600" dirty="0" smtClean="0">
+                <a:solidFill>
+                  <a:srgbClr val="002060"/>
+                </a:solidFill>
+              </a:rPr>
+              <a:t> is heavy task job like reading file as depicted in the diagram, it is not executed in </a:t>
+            </a:r>
+            <a:r>
+              <a:rPr lang="en-IN" sz="1600" dirty="0" err="1" smtClean="0">
+                <a:solidFill>
+                  <a:srgbClr val="002060"/>
+                </a:solidFill>
+              </a:rPr>
+              <a:t>MainThread</a:t>
+            </a:r>
+            <a:r>
+              <a:rPr lang="en-IN" sz="1600" dirty="0" smtClean="0">
+                <a:solidFill>
+                  <a:srgbClr val="002060"/>
+                </a:solidFill>
+              </a:rPr>
+              <a:t>. It is again moved back to </a:t>
+            </a:r>
+            <a:r>
+              <a:rPr lang="en-IN" sz="1600" dirty="0" err="1" smtClean="0">
+                <a:solidFill>
+                  <a:srgbClr val="002060"/>
+                </a:solidFill>
+              </a:rPr>
+              <a:t>ThreadPool</a:t>
+            </a:r>
+            <a:r>
+              <a:rPr lang="en-IN" sz="1600" dirty="0">
+                <a:solidFill>
+                  <a:srgbClr val="002060"/>
+                </a:solidFill>
+              </a:rPr>
+              <a:t> </a:t>
+            </a:r>
+            <a:r>
+              <a:rPr lang="en-IN" sz="1600" dirty="0" smtClean="0">
+                <a:solidFill>
+                  <a:srgbClr val="002060"/>
+                </a:solidFill>
+              </a:rPr>
+              <a:t>from </a:t>
+            </a:r>
+            <a:r>
+              <a:rPr lang="en-IN" sz="1600" dirty="0" err="1" smtClean="0">
+                <a:solidFill>
+                  <a:srgbClr val="002060"/>
+                </a:solidFill>
+              </a:rPr>
+              <a:t>MainThread</a:t>
+            </a:r>
+            <a:endParaRPr lang="en-IN" sz="1600" dirty="0" smtClean="0">
+              <a:solidFill>
+                <a:srgbClr val="002060"/>
+              </a:solidFill>
+            </a:endParaRPr>
+          </a:p>
+          <a:p>
+            <a:pPr algn="l"/>
+            <a:r>
+              <a:rPr lang="en-IN" sz="1600" dirty="0" smtClean="0">
+                <a:solidFill>
+                  <a:srgbClr val="002060"/>
+                </a:solidFill>
+              </a:rPr>
+              <a:t>11. In </a:t>
+            </a:r>
+            <a:r>
+              <a:rPr lang="en-IN" sz="1600" dirty="0" err="1" smtClean="0">
+                <a:solidFill>
+                  <a:srgbClr val="002060"/>
+                </a:solidFill>
+              </a:rPr>
+              <a:t>NodeJS</a:t>
+            </a:r>
+            <a:r>
+              <a:rPr lang="en-IN" sz="1600" dirty="0" smtClean="0">
+                <a:solidFill>
+                  <a:srgbClr val="002060"/>
+                </a:solidFill>
+              </a:rPr>
+              <a:t> there are 4 Threads in Thread pools. We can configure it </a:t>
+            </a:r>
+            <a:r>
+              <a:rPr lang="en-IN" sz="1600" dirty="0" err="1" smtClean="0">
+                <a:solidFill>
+                  <a:srgbClr val="002060"/>
+                </a:solidFill>
+              </a:rPr>
+              <a:t>upto</a:t>
+            </a:r>
+            <a:r>
+              <a:rPr lang="en-IN" sz="1600" smtClean="0">
+                <a:solidFill>
+                  <a:srgbClr val="002060"/>
+                </a:solidFill>
+              </a:rPr>
+              <a:t> 1024 </a:t>
+            </a:r>
+            <a:r>
+              <a:rPr lang="en-IN" sz="1600" dirty="0" smtClean="0">
+                <a:solidFill>
+                  <a:srgbClr val="002060"/>
+                </a:solidFill>
+              </a:rPr>
+              <a:t>Threads.</a:t>
+            </a:r>
+          </a:p>
+          <a:p>
+            <a:pPr algn="l"/>
+            <a:r>
+              <a:rPr lang="en-IN" sz="1600" dirty="0" smtClean="0">
+                <a:solidFill>
+                  <a:srgbClr val="002060"/>
+                </a:solidFill>
+              </a:rPr>
+              <a:t>12. </a:t>
+            </a:r>
+            <a:r>
+              <a:rPr lang="en-IN" sz="1600" dirty="0" err="1" smtClean="0">
+                <a:solidFill>
+                  <a:srgbClr val="002060"/>
+                </a:solidFill>
+              </a:rPr>
+              <a:t>NodejS</a:t>
+            </a:r>
+            <a:r>
+              <a:rPr lang="en-IN" sz="1600" dirty="0" smtClean="0">
+                <a:solidFill>
+                  <a:srgbClr val="002060"/>
+                </a:solidFill>
+              </a:rPr>
+              <a:t> offloads all heavy tasks ultimately to Thread pool </a:t>
+            </a:r>
+            <a:endParaRPr lang="en-IN" sz="1600" dirty="0">
+              <a:solidFill>
+                <a:srgbClr val="002060"/>
+              </a:solidFill>
+            </a:endParaRPr>
+          </a:p>
+        </p:txBody>
+      </p:sp>
+    </p:spTree>
+    <p:extLst>
+      <p:ext uri="{BB962C8B-B14F-4D97-AF65-F5344CB8AC3E}">
+        <p14:creationId xmlns:p14="http://schemas.microsoft.com/office/powerpoint/2010/main" val="2354976317"/>
       </p:ext>
     </p:extLst>
   </p:cSld>
@@ -3558,4 +4942,289 @@
   <a:objectDefaults/>
   <a:extraClrSchemeLst/>
 </a:theme>
+</file>
+
+<file path=ppt/theme/theme2.xml><?xml version="1.0" encoding="utf-8"?>
+<a:theme xmlns:a="http://schemas.openxmlformats.org/drawingml/2006/main" name="Office Theme">
+  <a:themeElements>
+    <a:clrScheme name="Office">
+      <a:dk1>
+        <a:sysClr val="windowText" lastClr="000000"/>
+      </a:dk1>
+      <a:lt1>
+        <a:sysClr val="window" lastClr="FFFFFF"/>
+      </a:lt1>
+      <a:dk2>
+        <a:srgbClr val="1F497D"/>
+      </a:dk2>
+      <a:lt2>
+        <a:srgbClr val="EEECE1"/>
+      </a:lt2>
+      <a:accent1>
+        <a:srgbClr val="4F81BD"/>
+      </a:accent1>
+      <a:accent2>
+        <a:srgbClr val="C0504D"/>
+      </a:accent2>
+      <a:accent3>
+        <a:srgbClr val="9BBB59"/>
+      </a:accent3>
+      <a:accent4>
+        <a:srgbClr val="8064A2"/>
+      </a:accent4>
+      <a:accent5>
+        <a:srgbClr val="4BACC6"/>
+      </a:accent5>
+      <a:accent6>
+        <a:srgbClr val="F79646"/>
+      </a:accent6>
+      <a:hlink>
+        <a:srgbClr val="0000FF"/>
+      </a:hlink>
+      <a:folHlink>
+        <a:srgbClr val="800080"/>
+      </a:folHlink>
+    </a:clrScheme>
+    <a:fontScheme name="Office">
+      <a:majorFont>
+        <a:latin typeface="Calibri"/>
+        <a:ea typeface=""/>
+        <a:cs typeface=""/>
+        <a:font script="Jpan" typeface="ＭＳ Ｐゴシック"/>
+        <a:font script="Hang" typeface="맑은 고딕"/>
+        <a:font script="Hans" typeface="宋体"/>
+        <a:font script="Hant" typeface="新細明體"/>
+        <a:font script="Arab" typeface="Times New Roman"/>
+        <a:font script="Hebr" typeface="Times New Roman"/>
+        <a:font script="Thai" typeface="Angsana New"/>
+        <a:font script="Ethi" typeface="Nyala"/>
+        <a:font script="Beng" typeface="Vrinda"/>
+        <a:font script="Gujr" typeface="Shruti"/>
+        <a:font script="Khmr" typeface="MoolBoran"/>
+        <a:font script="Knda" typeface="Tunga"/>
+        <a:font script="Guru" typeface="Raavi"/>
+        <a:font script="Cans" typeface="Euphemia"/>
+        <a:font script="Cher" typeface="Plantagenet Cherokee"/>
+        <a:font script="Yiii" typeface="Microsoft Yi Baiti"/>
+        <a:font script="Tibt" typeface="Microsoft Himalaya"/>
+        <a:font script="Thaa" typeface="MV Boli"/>
+        <a:font script="Deva" typeface="Mangal"/>
+        <a:font script="Telu" typeface="Gautami"/>
+        <a:font script="Taml" typeface="Latha"/>
+        <a:font script="Syrc" typeface="Estrangelo Edessa"/>
+        <a:font script="Orya" typeface="Kalinga"/>
+        <a:font script="Mlym" typeface="Kartika"/>
+        <a:font script="Laoo" typeface="DokChampa"/>
+        <a:font script="Sinh" typeface="Iskoola Pota"/>
+        <a:font script="Mong" typeface="Mongolian Baiti"/>
+        <a:font script="Viet" typeface="Times New Roman"/>
+        <a:font script="Uigh" typeface="Microsoft Uighur"/>
+        <a:font script="Geor" typeface="Sylfaen"/>
+      </a:majorFont>
+      <a:minorFont>
+        <a:latin typeface="Calibri"/>
+        <a:ea typeface=""/>
+        <a:cs typeface=""/>
+        <a:font script="Jpan" typeface="ＭＳ Ｐゴシック"/>
+        <a:font script="Hang" typeface="맑은 고딕"/>
+        <a:font script="Hans" typeface="宋体"/>
+        <a:font script="Hant" typeface="新細明體"/>
+        <a:font script="Arab" typeface="Arial"/>
+        <a:font script="Hebr" typeface="Arial"/>
+        <a:font script="Thai" typeface="Cordia New"/>
+        <a:font script="Ethi" typeface="Nyala"/>
+        <a:font script="Beng" typeface="Vrinda"/>
+        <a:font script="Gujr" typeface="Shruti"/>
+        <a:font script="Khmr" typeface="DaunPenh"/>
+        <a:font script="Knda" typeface="Tunga"/>
+        <a:font script="Guru" typeface="Raavi"/>
+        <a:font script="Cans" typeface="Euphemia"/>
+        <a:font script="Cher" typeface="Plantagenet Cherokee"/>
+        <a:font script="Yiii" typeface="Microsoft Yi Baiti"/>
+        <a:font script="Tibt" typeface="Microsoft Himalaya"/>
+        <a:font script="Thaa" typeface="MV Boli"/>
+        <a:font script="Deva" typeface="Mangal"/>
+        <a:font script="Telu" typeface="Gautami"/>
+        <a:font script="Taml" typeface="Latha"/>
+        <a:font script="Syrc" typeface="Estrangelo Edessa"/>
+        <a:font script="Orya" typeface="Kalinga"/>
+        <a:font script="Mlym" typeface="Kartika"/>
+        <a:font script="Laoo" typeface="DokChampa"/>
+        <a:font script="Sinh" typeface="Iskoola Pota"/>
+        <a:font script="Mong" typeface="Mongolian Baiti"/>
+        <a:font script="Viet" typeface="Arial"/>
+        <a:font script="Uigh" typeface="Microsoft Uighur"/>
+        <a:font script="Geor" typeface="Sylfaen"/>
+      </a:minorFont>
+    </a:fontScheme>
+    <a:fmtScheme name="Office">
+      <a:fillStyleLst>
+        <a:solidFill>
+          <a:schemeClr val="phClr"/>
+        </a:solidFill>
+        <a:gradFill rotWithShape="1">
+          <a:gsLst>
+            <a:gs pos="0">
+              <a:schemeClr val="phClr">
+                <a:tint val="50000"/>
+                <a:satMod val="300000"/>
+              </a:schemeClr>
+            </a:gs>
+            <a:gs pos="35000">
+              <a:schemeClr val="phClr">
+                <a:tint val="37000"/>
+                <a:satMod val="300000"/>
+              </a:schemeClr>
+            </a:gs>
+            <a:gs pos="100000">
+              <a:schemeClr val="phClr">
+                <a:tint val="15000"/>
+                <a:satMod val="350000"/>
+              </a:schemeClr>
+            </a:gs>
+          </a:gsLst>
+          <a:lin ang="16200000" scaled="1"/>
+        </a:gradFill>
+        <a:gradFill rotWithShape="1">
+          <a:gsLst>
+            <a:gs pos="0">
+              <a:schemeClr val="phClr">
+                <a:shade val="51000"/>
+                <a:satMod val="130000"/>
+              </a:schemeClr>
+            </a:gs>
+            <a:gs pos="80000">
+              <a:schemeClr val="phClr">
+                <a:shade val="93000"/>
+                <a:satMod val="130000"/>
+              </a:schemeClr>
+            </a:gs>
+            <a:gs pos="100000">
+              <a:schemeClr val="phClr">
+                <a:shade val="94000"/>
+                <a:satMod val="135000"/>
+              </a:schemeClr>
+            </a:gs>
+          </a:gsLst>
+          <a:lin ang="16200000" scaled="0"/>
+        </a:gradFill>
+      </a:fillStyleLst>
+      <a:lnStyleLst>
+        <a:ln w="9525" cap="flat" cmpd="sng" algn="ctr">
+          <a:solidFill>
+            <a:schemeClr val="phClr">
+              <a:shade val="95000"/>
+              <a:satMod val="105000"/>
+            </a:schemeClr>
+          </a:solidFill>
+          <a:prstDash val="solid"/>
+        </a:ln>
+        <a:ln w="25400" cap="flat" cmpd="sng" algn="ctr">
+          <a:solidFill>
+            <a:schemeClr val="phClr"/>
+          </a:solidFill>
+          <a:prstDash val="solid"/>
+        </a:ln>
+        <a:ln w="38100" cap="flat" cmpd="sng" algn="ctr">
+          <a:solidFill>
+            <a:schemeClr val="phClr"/>
+          </a:solidFill>
+          <a:prstDash val="solid"/>
+        </a:ln>
+      </a:lnStyleLst>
+      <a:effectStyleLst>
+        <a:effectStyle>
+          <a:effectLst>
+            <a:outerShdw blurRad="40000" dist="20000" dir="5400000" rotWithShape="0">
+              <a:srgbClr val="000000">
+                <a:alpha val="38000"/>
+              </a:srgbClr>
+            </a:outerShdw>
+          </a:effectLst>
+        </a:effectStyle>
+        <a:effectStyle>
+          <a:effectLst>
+            <a:outerShdw blurRad="40000" dist="23000" dir="5400000" rotWithShape="0">
+              <a:srgbClr val="000000">
+                <a:alpha val="35000"/>
+              </a:srgbClr>
+            </a:outerShdw>
+          </a:effectLst>
+        </a:effectStyle>
+        <a:effectStyle>
+          <a:effectLst>
+            <a:outerShdw blurRad="40000" dist="23000" dir="5400000" rotWithShape="0">
+              <a:srgbClr val="000000">
+                <a:alpha val="35000"/>
+              </a:srgbClr>
+            </a:outerShdw>
+          </a:effectLst>
+          <a:scene3d>
+            <a:camera prst="orthographicFront">
+              <a:rot lat="0" lon="0" rev="0"/>
+            </a:camera>
+            <a:lightRig rig="threePt" dir="t">
+              <a:rot lat="0" lon="0" rev="1200000"/>
+            </a:lightRig>
+          </a:scene3d>
+          <a:sp3d>
+            <a:bevelT w="63500" h="25400"/>
+          </a:sp3d>
+        </a:effectStyle>
+      </a:effectStyleLst>
+      <a:bgFillStyleLst>
+        <a:solidFill>
+          <a:schemeClr val="phClr"/>
+        </a:solidFill>
+        <a:gradFill rotWithShape="1">
+          <a:gsLst>
+            <a:gs pos="0">
+              <a:schemeClr val="phClr">
+                <a:tint val="40000"/>
+                <a:satMod val="350000"/>
+              </a:schemeClr>
+            </a:gs>
+            <a:gs pos="40000">
+              <a:schemeClr val="phClr">
+                <a:tint val="45000"/>
+                <a:shade val="99000"/>
+                <a:satMod val="350000"/>
+              </a:schemeClr>
+            </a:gs>
+            <a:gs pos="100000">
+              <a:schemeClr val="phClr">
+                <a:shade val="20000"/>
+                <a:satMod val="255000"/>
+              </a:schemeClr>
+            </a:gs>
+          </a:gsLst>
+          <a:path path="circle">
+            <a:fillToRect l="50000" t="-80000" r="50000" b="180000"/>
+          </a:path>
+        </a:gradFill>
+        <a:gradFill rotWithShape="1">
+          <a:gsLst>
+            <a:gs pos="0">
+              <a:schemeClr val="phClr">
+                <a:tint val="80000"/>
+                <a:satMod val="300000"/>
+              </a:schemeClr>
+            </a:gs>
+            <a:gs pos="100000">
+              <a:schemeClr val="phClr">
+                <a:shade val="30000"/>
+                <a:satMod val="200000"/>
+              </a:schemeClr>
+            </a:gs>
+          </a:gsLst>
+          <a:path path="circle">
+            <a:fillToRect l="50000" t="50000" r="50000" b="50000"/>
+          </a:path>
+        </a:gradFill>
+      </a:bgFillStyleLst>
+    </a:fmtScheme>
+  </a:themeElements>
+  <a:objectDefaults/>
+  <a:extraClrSchemeLst/>
+</a:theme>
 </file>
--- a/NodeJS-Architecture.pptx
+++ b/NodeJS-Architecture.pptx
@@ -5,12 +5,14 @@
     <p:sldMasterId id="2147483648" r:id="rId1"/>
   </p:sldMasterIdLst>
   <p:notesMasterIdLst>
-    <p:notesMasterId r:id="rId5"/>
+    <p:notesMasterId r:id="rId7"/>
   </p:notesMasterIdLst>
   <p:sldIdLst>
     <p:sldId id="256" r:id="rId2"/>
     <p:sldId id="257" r:id="rId3"/>
     <p:sldId id="258" r:id="rId4"/>
+    <p:sldId id="259" r:id="rId5"/>
+    <p:sldId id="260" r:id="rId6"/>
   </p:sldIdLst>
   <p:sldSz cx="9144000" cy="6858000" type="screen4x3"/>
   <p:notesSz cx="6858000" cy="9144000"/>
@@ -612,6 +614,174 @@
             <a:fld id="{7BD65006-C52B-4E7B-BBE3-FD8FEC960E60}" type="slidenum">
               <a:rPr lang="en-IN" smtClean="0"/>
               <a:t>3</a:t>
+            </a:fld>
+            <a:endParaRPr lang="en-IN"/>
+          </a:p>
+        </p:txBody>
+      </p:sp>
+    </p:spTree>
+    <p:extLst>
+      <p:ext uri="{BB962C8B-B14F-4D97-AF65-F5344CB8AC3E}">
+        <p14:creationId xmlns:p14="http://schemas.microsoft.com/office/powerpoint/2010/main" val="670681385"/>
+      </p:ext>
+    </p:extLst>
+  </p:cSld>
+  <p:clrMapOvr>
+    <a:masterClrMapping/>
+  </p:clrMapOvr>
+</p:notes>
+</file>
+
+<file path=ppt/notesSlides/notesSlide3.xml><?xml version="1.0" encoding="utf-8"?>
+<p:notes xmlns:a="http://schemas.openxmlformats.org/drawingml/2006/main" xmlns:r="http://schemas.openxmlformats.org/officeDocument/2006/relationships" xmlns:p="http://schemas.openxmlformats.org/presentationml/2006/main">
+  <p:cSld>
+    <p:spTree>
+      <p:nvGrpSpPr>
+        <p:cNvPr id="1" name=""/>
+        <p:cNvGrpSpPr/>
+        <p:nvPr/>
+      </p:nvGrpSpPr>
+      <p:grpSpPr>
+        <a:xfrm>
+          <a:off x="0" y="0"/>
+          <a:ext cx="0" cy="0"/>
+          <a:chOff x="0" y="0"/>
+          <a:chExt cx="0" cy="0"/>
+        </a:xfrm>
+      </p:grpSpPr>
+      <p:sp>
+        <p:nvSpPr>
+          <p:cNvPr id="2" name="Slide Image Placeholder 1"/>
+          <p:cNvSpPr>
+            <a:spLocks noGrp="1" noRot="1" noChangeAspect="1"/>
+          </p:cNvSpPr>
+          <p:nvPr>
+            <p:ph type="sldImg"/>
+          </p:nvPr>
+        </p:nvSpPr>
+        <p:spPr/>
+      </p:sp>
+      <p:sp>
+        <p:nvSpPr>
+          <p:cNvPr id="3" name="Notes Placeholder 2"/>
+          <p:cNvSpPr>
+            <a:spLocks noGrp="1"/>
+          </p:cNvSpPr>
+          <p:nvPr>
+            <p:ph type="body" idx="1"/>
+          </p:nvPr>
+        </p:nvSpPr>
+        <p:spPr/>
+        <p:txBody>
+          <a:bodyPr/>
+          <a:lstStyle/>
+          <a:p>
+            <a:endParaRPr lang="en-IN" dirty="0"/>
+          </a:p>
+        </p:txBody>
+      </p:sp>
+      <p:sp>
+        <p:nvSpPr>
+          <p:cNvPr id="4" name="Slide Number Placeholder 3"/>
+          <p:cNvSpPr>
+            <a:spLocks noGrp="1"/>
+          </p:cNvSpPr>
+          <p:nvPr>
+            <p:ph type="sldNum" sz="quarter" idx="10"/>
+          </p:nvPr>
+        </p:nvSpPr>
+        <p:spPr/>
+        <p:txBody>
+          <a:bodyPr/>
+          <a:lstStyle/>
+          <a:p>
+            <a:fld id="{7BD65006-C52B-4E7B-BBE3-FD8FEC960E60}" type="slidenum">
+              <a:rPr lang="en-IN" smtClean="0"/>
+              <a:t>4</a:t>
+            </a:fld>
+            <a:endParaRPr lang="en-IN"/>
+          </a:p>
+        </p:txBody>
+      </p:sp>
+    </p:spTree>
+    <p:extLst>
+      <p:ext uri="{BB962C8B-B14F-4D97-AF65-F5344CB8AC3E}">
+        <p14:creationId xmlns:p14="http://schemas.microsoft.com/office/powerpoint/2010/main" val="670681385"/>
+      </p:ext>
+    </p:extLst>
+  </p:cSld>
+  <p:clrMapOvr>
+    <a:masterClrMapping/>
+  </p:clrMapOvr>
+</p:notes>
+</file>
+
+<file path=ppt/notesSlides/notesSlide4.xml><?xml version="1.0" encoding="utf-8"?>
+<p:notes xmlns:a="http://schemas.openxmlformats.org/drawingml/2006/main" xmlns:r="http://schemas.openxmlformats.org/officeDocument/2006/relationships" xmlns:p="http://schemas.openxmlformats.org/presentationml/2006/main">
+  <p:cSld>
+    <p:spTree>
+      <p:nvGrpSpPr>
+        <p:cNvPr id="1" name=""/>
+        <p:cNvGrpSpPr/>
+        <p:nvPr/>
+      </p:nvGrpSpPr>
+      <p:grpSpPr>
+        <a:xfrm>
+          <a:off x="0" y="0"/>
+          <a:ext cx="0" cy="0"/>
+          <a:chOff x="0" y="0"/>
+          <a:chExt cx="0" cy="0"/>
+        </a:xfrm>
+      </p:grpSpPr>
+      <p:sp>
+        <p:nvSpPr>
+          <p:cNvPr id="2" name="Slide Image Placeholder 1"/>
+          <p:cNvSpPr>
+            <a:spLocks noGrp="1" noRot="1" noChangeAspect="1"/>
+          </p:cNvSpPr>
+          <p:nvPr>
+            <p:ph type="sldImg"/>
+          </p:nvPr>
+        </p:nvSpPr>
+        <p:spPr/>
+      </p:sp>
+      <p:sp>
+        <p:nvSpPr>
+          <p:cNvPr id="3" name="Notes Placeholder 2"/>
+          <p:cNvSpPr>
+            <a:spLocks noGrp="1"/>
+          </p:cNvSpPr>
+          <p:nvPr>
+            <p:ph type="body" idx="1"/>
+          </p:nvPr>
+        </p:nvSpPr>
+        <p:spPr/>
+        <p:txBody>
+          <a:bodyPr/>
+          <a:lstStyle/>
+          <a:p>
+            <a:endParaRPr lang="en-IN" dirty="0"/>
+          </a:p>
+        </p:txBody>
+      </p:sp>
+      <p:sp>
+        <p:nvSpPr>
+          <p:cNvPr id="4" name="Slide Number Placeholder 3"/>
+          <p:cNvSpPr>
+            <a:spLocks noGrp="1"/>
+          </p:cNvSpPr>
+          <p:nvPr>
+            <p:ph type="sldNum" sz="quarter" idx="10"/>
+          </p:nvPr>
+        </p:nvSpPr>
+        <p:spPr/>
+        <p:txBody>
+          <a:bodyPr/>
+          <a:lstStyle/>
+          <a:p>
+            <a:fld id="{7BD65006-C52B-4E7B-BBE3-FD8FEC960E60}" type="slidenum">
+              <a:rPr lang="en-IN" smtClean="0"/>
+              <a:t>5</a:t>
             </a:fld>
             <a:endParaRPr lang="en-IN"/>
           </a:p>
@@ -4596,20 +4766,12 @@
               <a:t>upto</a:t>
             </a:r>
             <a:r>
-              <a:rPr lang="en-IN" sz="1600" smtClean="0">
-                <a:solidFill>
-                  <a:srgbClr val="002060"/>
-                </a:solidFill>
-              </a:rPr>
-              <a:t> 1024 </a:t>
-            </a:r>
-            <a:r>
-              <a:rPr lang="en-IN" sz="1600" dirty="0" smtClean="0">
-                <a:solidFill>
-                  <a:srgbClr val="002060"/>
-                </a:solidFill>
-              </a:rPr>
-              <a:t>Threads.</a:t>
+              <a:rPr lang="en-IN" sz="1600" dirty="0" smtClean="0">
+                <a:solidFill>
+                  <a:srgbClr val="002060"/>
+                </a:solidFill>
+              </a:rPr>
+              <a:t> 1024 Threads.</a:t>
             </a:r>
           </a:p>
           <a:p>
@@ -4638,6 +4800,408 @@
               </a:rPr>
               <a:t> offloads all heavy tasks ultimately to Thread pool </a:t>
             </a:r>
+          </a:p>
+          <a:p>
+            <a:pPr algn="l"/>
+            <a:r>
+              <a:rPr lang="en-IN" sz="1600" dirty="0" smtClean="0">
+                <a:solidFill>
+                  <a:srgbClr val="002060"/>
+                </a:solidFill>
+              </a:rPr>
+              <a:t>13. Note: Thread in </a:t>
+            </a:r>
+            <a:r>
+              <a:rPr lang="en-IN" sz="1600" dirty="0" err="1" smtClean="0">
+                <a:solidFill>
+                  <a:srgbClr val="002060"/>
+                </a:solidFill>
+              </a:rPr>
+              <a:t>ThreadPool</a:t>
+            </a:r>
+            <a:r>
+              <a:rPr lang="en-IN" sz="1600" dirty="0" smtClean="0">
+                <a:solidFill>
+                  <a:srgbClr val="002060"/>
+                </a:solidFill>
+              </a:rPr>
+              <a:t> is different from </a:t>
+            </a:r>
+            <a:r>
+              <a:rPr lang="en-IN" sz="1600" dirty="0" err="1" smtClean="0">
+                <a:solidFill>
+                  <a:srgbClr val="002060"/>
+                </a:solidFill>
+              </a:rPr>
+              <a:t>MainThread</a:t>
+            </a:r>
+            <a:r>
+              <a:rPr lang="en-IN" sz="1600" dirty="0" smtClean="0">
+                <a:solidFill>
+                  <a:srgbClr val="002060"/>
+                </a:solidFill>
+              </a:rPr>
+              <a:t>.</a:t>
+            </a:r>
+          </a:p>
+          <a:p>
+            <a:pPr algn="l"/>
+            <a:r>
+              <a:rPr lang="en-IN" sz="1600" dirty="0" smtClean="0">
+                <a:solidFill>
+                  <a:srgbClr val="002060"/>
+                </a:solidFill>
+              </a:rPr>
+              <a:t>14. note: All </a:t>
+            </a:r>
+            <a:r>
+              <a:rPr lang="en-IN" sz="1600" dirty="0" err="1" smtClean="0">
+                <a:solidFill>
+                  <a:srgbClr val="002060"/>
+                </a:solidFill>
+              </a:rPr>
+              <a:t>T</a:t>
+            </a:r>
+            <a:r>
+              <a:rPr lang="en-IN" sz="1600" dirty="0" err="1" smtClean="0">
+                <a:solidFill>
+                  <a:srgbClr val="002060"/>
+                </a:solidFill>
+              </a:rPr>
+              <a:t>oplevel</a:t>
+            </a:r>
+            <a:r>
+              <a:rPr lang="en-IN" sz="1600" dirty="0" smtClean="0">
+                <a:solidFill>
+                  <a:srgbClr val="002060"/>
+                </a:solidFill>
+              </a:rPr>
+              <a:t> code </a:t>
+            </a:r>
+            <a:r>
+              <a:rPr lang="en-IN" sz="1600" dirty="0" err="1" smtClean="0">
+                <a:solidFill>
+                  <a:srgbClr val="002060"/>
+                </a:solidFill>
+              </a:rPr>
+              <a:t>exceuted</a:t>
+            </a:r>
+            <a:r>
+              <a:rPr lang="en-IN" sz="1600" dirty="0" smtClean="0">
+                <a:solidFill>
+                  <a:srgbClr val="002060"/>
+                </a:solidFill>
+              </a:rPr>
+              <a:t> in </a:t>
+            </a:r>
+            <a:r>
+              <a:rPr lang="en-IN" sz="1600" dirty="0" err="1" smtClean="0">
+                <a:solidFill>
+                  <a:srgbClr val="002060"/>
+                </a:solidFill>
+              </a:rPr>
+              <a:t>MainThread</a:t>
+            </a:r>
+            <a:r>
+              <a:rPr lang="en-IN" sz="1600" dirty="0" smtClean="0">
+                <a:solidFill>
+                  <a:srgbClr val="002060"/>
+                </a:solidFill>
+              </a:rPr>
+              <a:t> . </a:t>
+            </a:r>
+            <a:r>
+              <a:rPr lang="en-IN" sz="1600" dirty="0" smtClean="0">
+                <a:solidFill>
+                  <a:srgbClr val="002060"/>
+                </a:solidFill>
+              </a:rPr>
+              <a:t>All </a:t>
+            </a:r>
+            <a:r>
+              <a:rPr lang="en-IN" sz="1600" dirty="0" err="1">
+                <a:solidFill>
+                  <a:srgbClr val="002060"/>
+                </a:solidFill>
+              </a:rPr>
+              <a:t>A</a:t>
+            </a:r>
+            <a:r>
+              <a:rPr lang="en-IN" sz="1600" dirty="0" err="1" smtClean="0">
+                <a:solidFill>
+                  <a:srgbClr val="002060"/>
+                </a:solidFill>
+              </a:rPr>
+              <a:t>ynchronous</a:t>
+            </a:r>
+            <a:r>
+              <a:rPr lang="en-IN" sz="1600" dirty="0" smtClean="0">
+                <a:solidFill>
+                  <a:srgbClr val="002060"/>
+                </a:solidFill>
+              </a:rPr>
+              <a:t> function </a:t>
+            </a:r>
+            <a:r>
+              <a:rPr lang="en-IN" sz="1600" dirty="0" err="1" smtClean="0">
+                <a:solidFill>
+                  <a:srgbClr val="002060"/>
+                </a:solidFill>
+              </a:rPr>
+              <a:t>exceuted</a:t>
+            </a:r>
+            <a:r>
+              <a:rPr lang="en-IN" sz="1600" dirty="0" smtClean="0">
+                <a:solidFill>
+                  <a:srgbClr val="002060"/>
+                </a:solidFill>
+              </a:rPr>
+              <a:t> in </a:t>
+            </a:r>
+            <a:r>
+              <a:rPr lang="en-IN" sz="1600" dirty="0" err="1" smtClean="0">
+                <a:solidFill>
+                  <a:srgbClr val="002060"/>
+                </a:solidFill>
+              </a:rPr>
+              <a:t>ThreadPool</a:t>
+            </a:r>
+            <a:r>
+              <a:rPr lang="en-IN" sz="1600" dirty="0" smtClean="0">
+                <a:solidFill>
+                  <a:srgbClr val="002060"/>
+                </a:solidFill>
+              </a:rPr>
+              <a:t> and once done call back is passed to </a:t>
+            </a:r>
+            <a:r>
+              <a:rPr lang="en-IN" sz="1600" dirty="0" err="1" smtClean="0">
+                <a:solidFill>
+                  <a:srgbClr val="002060"/>
+                </a:solidFill>
+              </a:rPr>
+              <a:t>EventLoop</a:t>
+            </a:r>
+            <a:r>
+              <a:rPr lang="en-IN" sz="1600" dirty="0" smtClean="0">
+                <a:solidFill>
+                  <a:srgbClr val="002060"/>
+                </a:solidFill>
+              </a:rPr>
+              <a:t>. </a:t>
+            </a:r>
+          </a:p>
+          <a:p>
+            <a:pPr algn="l"/>
+            <a:r>
+              <a:rPr lang="en-IN" sz="1600" dirty="0" smtClean="0">
+                <a:solidFill>
+                  <a:srgbClr val="002060"/>
+                </a:solidFill>
+              </a:rPr>
+              <a:t>15. </a:t>
+            </a:r>
+            <a:r>
+              <a:rPr lang="en-IN" sz="1600" dirty="0" err="1" smtClean="0">
+                <a:solidFill>
+                  <a:srgbClr val="002060"/>
+                </a:solidFill>
+              </a:rPr>
+              <a:t>Callback</a:t>
+            </a:r>
+            <a:r>
+              <a:rPr lang="en-IN" sz="1600" dirty="0" smtClean="0">
+                <a:solidFill>
+                  <a:srgbClr val="002060"/>
+                </a:solidFill>
+              </a:rPr>
+              <a:t> is passed into </a:t>
+            </a:r>
+            <a:r>
+              <a:rPr lang="en-IN" sz="1600" dirty="0" err="1" smtClean="0">
+                <a:solidFill>
+                  <a:srgbClr val="002060"/>
+                </a:solidFill>
+              </a:rPr>
+              <a:t>MainThread</a:t>
+            </a:r>
+            <a:r>
+              <a:rPr lang="en-IN" sz="1600" dirty="0" smtClean="0">
+                <a:solidFill>
+                  <a:srgbClr val="002060"/>
+                </a:solidFill>
+              </a:rPr>
+              <a:t> if Main Thread is </a:t>
+            </a:r>
+            <a:r>
+              <a:rPr lang="en-IN" sz="1600" dirty="0" err="1" smtClean="0">
+                <a:solidFill>
+                  <a:srgbClr val="002060"/>
+                </a:solidFill>
+              </a:rPr>
+              <a:t>emplty</a:t>
+            </a:r>
+            <a:endParaRPr lang="en-IN" sz="1600" dirty="0" smtClean="0">
+              <a:solidFill>
+                <a:srgbClr val="002060"/>
+              </a:solidFill>
+            </a:endParaRPr>
+          </a:p>
+          <a:p>
+            <a:pPr algn="l"/>
+            <a:r>
+              <a:rPr lang="en-IN" sz="1600" dirty="0" smtClean="0">
+                <a:solidFill>
+                  <a:srgbClr val="002060"/>
+                </a:solidFill>
+              </a:rPr>
+              <a:t>16. If </a:t>
+            </a:r>
+            <a:r>
+              <a:rPr lang="en-IN" sz="1600" dirty="0" err="1" smtClean="0">
+                <a:solidFill>
+                  <a:srgbClr val="002060"/>
+                </a:solidFill>
+              </a:rPr>
+              <a:t>Callback</a:t>
+            </a:r>
+            <a:r>
+              <a:rPr lang="en-IN" sz="1600" dirty="0" smtClean="0">
+                <a:solidFill>
+                  <a:srgbClr val="002060"/>
+                </a:solidFill>
+              </a:rPr>
+              <a:t>  is light =&gt; Event Loop moves </a:t>
+            </a:r>
+            <a:r>
+              <a:rPr lang="en-IN" sz="1600" dirty="0" err="1" smtClean="0">
+                <a:solidFill>
+                  <a:srgbClr val="002060"/>
+                </a:solidFill>
+              </a:rPr>
+              <a:t>callback</a:t>
+            </a:r>
+            <a:r>
+              <a:rPr lang="en-IN" sz="1600" dirty="0" smtClean="0">
+                <a:solidFill>
+                  <a:srgbClr val="002060"/>
+                </a:solidFill>
+              </a:rPr>
+              <a:t> into </a:t>
+            </a:r>
+            <a:r>
+              <a:rPr lang="en-IN" sz="1600" dirty="0" err="1" smtClean="0">
+                <a:solidFill>
+                  <a:srgbClr val="002060"/>
+                </a:solidFill>
+              </a:rPr>
+              <a:t>MainThread</a:t>
+            </a:r>
+            <a:r>
+              <a:rPr lang="en-IN" sz="1600" dirty="0" smtClean="0">
+                <a:solidFill>
+                  <a:srgbClr val="002060"/>
+                </a:solidFill>
+              </a:rPr>
+              <a:t>.</a:t>
+            </a:r>
+          </a:p>
+          <a:p>
+            <a:pPr algn="l"/>
+            <a:r>
+              <a:rPr lang="en-IN" sz="1600" dirty="0" smtClean="0">
+                <a:solidFill>
+                  <a:srgbClr val="002060"/>
+                </a:solidFill>
+              </a:rPr>
+              <a:t>17. </a:t>
+            </a:r>
+            <a:r>
+              <a:rPr lang="en-IN" sz="1600" dirty="0" smtClean="0">
+                <a:solidFill>
+                  <a:srgbClr val="002060"/>
+                </a:solidFill>
+              </a:rPr>
+              <a:t>If </a:t>
+            </a:r>
+            <a:r>
+              <a:rPr lang="en-IN" sz="1600" dirty="0" err="1" smtClean="0">
+                <a:solidFill>
+                  <a:srgbClr val="002060"/>
+                </a:solidFill>
+              </a:rPr>
+              <a:t>Callback</a:t>
+            </a:r>
+            <a:r>
+              <a:rPr lang="en-IN" sz="1600" dirty="0" smtClean="0">
+                <a:solidFill>
+                  <a:srgbClr val="002060"/>
+                </a:solidFill>
+              </a:rPr>
+              <a:t> is heavy=&gt; Event Loop moves back </a:t>
+            </a:r>
+            <a:r>
+              <a:rPr lang="en-IN" sz="1600" dirty="0" err="1" smtClean="0">
+                <a:solidFill>
+                  <a:srgbClr val="002060"/>
+                </a:solidFill>
+              </a:rPr>
+              <a:t>callback</a:t>
+            </a:r>
+            <a:r>
+              <a:rPr lang="en-IN" sz="1600" dirty="0" smtClean="0">
+                <a:solidFill>
+                  <a:srgbClr val="002060"/>
+                </a:solidFill>
+              </a:rPr>
+              <a:t> into </a:t>
+            </a:r>
+            <a:r>
+              <a:rPr lang="en-IN" sz="1600" dirty="0" err="1" smtClean="0">
+                <a:solidFill>
+                  <a:srgbClr val="002060"/>
+                </a:solidFill>
+              </a:rPr>
+              <a:t>ThreadPool</a:t>
+            </a:r>
+            <a:r>
+              <a:rPr lang="en-IN" sz="1600" dirty="0" smtClean="0">
+                <a:solidFill>
+                  <a:srgbClr val="002060"/>
+                </a:solidFill>
+              </a:rPr>
+              <a:t>.</a:t>
+            </a:r>
+          </a:p>
+          <a:p>
+            <a:pPr algn="l"/>
+            <a:r>
+              <a:rPr lang="en-IN" sz="1600" dirty="0" smtClean="0">
+                <a:solidFill>
+                  <a:srgbClr val="002060"/>
+                </a:solidFill>
+              </a:rPr>
+              <a:t>18. The role of </a:t>
+            </a:r>
+            <a:r>
+              <a:rPr lang="en-IN" sz="1600" dirty="0" err="1" smtClean="0">
+                <a:solidFill>
+                  <a:srgbClr val="002060"/>
+                </a:solidFill>
+              </a:rPr>
+              <a:t>EventLoop</a:t>
+            </a:r>
+            <a:r>
+              <a:rPr lang="en-IN" sz="1600" dirty="0" smtClean="0">
+                <a:solidFill>
+                  <a:srgbClr val="002060"/>
+                </a:solidFill>
+              </a:rPr>
+              <a:t> is just an orchestration</a:t>
+            </a:r>
+          </a:p>
+          <a:p>
+            <a:pPr algn="l"/>
             <a:endParaRPr lang="en-IN" sz="1600" dirty="0">
               <a:solidFill>
                 <a:srgbClr val="002060"/>
@@ -4650,6 +5214,627 @@
     <p:extLst>
       <p:ext uri="{BB962C8B-B14F-4D97-AF65-F5344CB8AC3E}">
         <p14:creationId xmlns:p14="http://schemas.microsoft.com/office/powerpoint/2010/main" val="2354976317"/>
+      </p:ext>
+    </p:extLst>
+  </p:cSld>
+  <p:clrMapOvr>
+    <a:masterClrMapping/>
+  </p:clrMapOvr>
+</p:sld>
+</file>
+
+<file path=ppt/slides/slide4.xml><?xml version="1.0" encoding="utf-8"?>
+<p:sld xmlns:a="http://schemas.openxmlformats.org/drawingml/2006/main" xmlns:r="http://schemas.openxmlformats.org/officeDocument/2006/relationships" xmlns:p="http://schemas.openxmlformats.org/presentationml/2006/main">
+  <p:cSld>
+    <p:spTree>
+      <p:nvGrpSpPr>
+        <p:cNvPr id="1" name=""/>
+        <p:cNvGrpSpPr/>
+        <p:nvPr/>
+      </p:nvGrpSpPr>
+      <p:grpSpPr>
+        <a:xfrm>
+          <a:off x="0" y="0"/>
+          <a:ext cx="0" cy="0"/>
+          <a:chOff x="0" y="0"/>
+          <a:chExt cx="0" cy="0"/>
+        </a:xfrm>
+      </p:grpSpPr>
+      <p:sp>
+        <p:nvSpPr>
+          <p:cNvPr id="3" name="Subtitle 2"/>
+          <p:cNvSpPr>
+            <a:spLocks noGrp="1"/>
+          </p:cNvSpPr>
+          <p:nvPr>
+            <p:ph type="subTitle" idx="1"/>
+          </p:nvPr>
+        </p:nvSpPr>
+        <p:spPr>
+          <a:xfrm>
+            <a:off x="107504" y="116632"/>
+            <a:ext cx="8928992" cy="6624736"/>
+          </a:xfrm>
+        </p:spPr>
+        <p:txBody>
+          <a:bodyPr>
+            <a:normAutofit/>
+          </a:bodyPr>
+          <a:lstStyle/>
+          <a:p>
+            <a:r>
+              <a:rPr lang="en-IN" sz="1600" dirty="0">
+                <a:solidFill>
+                  <a:srgbClr val="002060"/>
+                </a:solidFill>
+              </a:rPr>
+              <a:t> </a:t>
+            </a:r>
+            <a:r>
+              <a:rPr lang="en-IN" sz="1600" dirty="0" smtClean="0">
+                <a:solidFill>
+                  <a:srgbClr val="002060"/>
+                </a:solidFill>
+              </a:rPr>
+              <a:t>Event Loop</a:t>
+            </a:r>
+          </a:p>
+          <a:p>
+            <a:pPr marL="342900" indent="-342900" algn="l">
+              <a:buAutoNum type="arabicPeriod"/>
+            </a:pPr>
+            <a:r>
+              <a:rPr lang="en-IN" sz="1600" dirty="0" err="1" smtClean="0">
+                <a:solidFill>
+                  <a:srgbClr val="002060"/>
+                </a:solidFill>
+              </a:rPr>
+              <a:t>EventLoop</a:t>
+            </a:r>
+            <a:r>
+              <a:rPr lang="en-IN" sz="1600" dirty="0" smtClean="0">
+                <a:solidFill>
+                  <a:srgbClr val="002060"/>
+                </a:solidFill>
+              </a:rPr>
+              <a:t> has multiple phases</a:t>
+            </a:r>
+          </a:p>
+          <a:p>
+            <a:pPr marL="342900" indent="-342900" algn="l">
+              <a:buAutoNum type="arabicPeriod"/>
+            </a:pPr>
+            <a:r>
+              <a:rPr lang="en-IN" sz="1600" dirty="0" smtClean="0">
+                <a:solidFill>
+                  <a:srgbClr val="002060"/>
+                </a:solidFill>
+              </a:rPr>
+              <a:t>Each phases has its own </a:t>
+            </a:r>
+            <a:r>
+              <a:rPr lang="en-IN" sz="1600" dirty="0" err="1" smtClean="0">
+                <a:solidFill>
+                  <a:srgbClr val="002060"/>
+                </a:solidFill>
+              </a:rPr>
+              <a:t>callback</a:t>
+            </a:r>
+            <a:r>
+              <a:rPr lang="en-IN" sz="1600" dirty="0" smtClean="0">
+                <a:solidFill>
+                  <a:srgbClr val="002060"/>
+                </a:solidFill>
+              </a:rPr>
+              <a:t> queue.</a:t>
+            </a:r>
+          </a:p>
+          <a:p>
+            <a:pPr marL="342900" indent="-342900" algn="l">
+              <a:buAutoNum type="arabicPeriod"/>
+            </a:pPr>
+            <a:endParaRPr lang="en-IN" sz="1600" dirty="0">
+              <a:solidFill>
+                <a:srgbClr val="002060"/>
+              </a:solidFill>
+            </a:endParaRPr>
+          </a:p>
+        </p:txBody>
+      </p:sp>
+    </p:spTree>
+    <p:extLst>
+      <p:ext uri="{BB962C8B-B14F-4D97-AF65-F5344CB8AC3E}">
+        <p14:creationId xmlns:p14="http://schemas.microsoft.com/office/powerpoint/2010/main" val="2796231242"/>
+      </p:ext>
+    </p:extLst>
+  </p:cSld>
+  <p:clrMapOvr>
+    <a:masterClrMapping/>
+  </p:clrMapOvr>
+</p:sld>
+</file>
+
+<file path=ppt/slides/slide5.xml><?xml version="1.0" encoding="utf-8"?>
+<p:sld xmlns:a="http://schemas.openxmlformats.org/drawingml/2006/main" xmlns:r="http://schemas.openxmlformats.org/officeDocument/2006/relationships" xmlns:p="http://schemas.openxmlformats.org/presentationml/2006/main">
+  <p:cSld>
+    <p:spTree>
+      <p:nvGrpSpPr>
+        <p:cNvPr id="1" name=""/>
+        <p:cNvGrpSpPr/>
+        <p:nvPr/>
+      </p:nvGrpSpPr>
+      <p:grpSpPr>
+        <a:xfrm>
+          <a:off x="0" y="0"/>
+          <a:ext cx="0" cy="0"/>
+          <a:chOff x="0" y="0"/>
+          <a:chExt cx="0" cy="0"/>
+        </a:xfrm>
+      </p:grpSpPr>
+      <p:sp>
+        <p:nvSpPr>
+          <p:cNvPr id="3" name="Subtitle 2"/>
+          <p:cNvSpPr>
+            <a:spLocks noGrp="1"/>
+          </p:cNvSpPr>
+          <p:nvPr>
+            <p:ph type="subTitle" idx="1"/>
+          </p:nvPr>
+        </p:nvSpPr>
+        <p:spPr>
+          <a:xfrm>
+            <a:off x="107504" y="116632"/>
+            <a:ext cx="8928992" cy="6624736"/>
+          </a:xfrm>
+        </p:spPr>
+        <p:txBody>
+          <a:bodyPr>
+            <a:normAutofit/>
+          </a:bodyPr>
+          <a:lstStyle/>
+          <a:p>
+            <a:r>
+              <a:rPr lang="en-IN" sz="1600" dirty="0">
+                <a:solidFill>
+                  <a:srgbClr val="002060"/>
+                </a:solidFill>
+              </a:rPr>
+              <a:t> </a:t>
+            </a:r>
+            <a:r>
+              <a:rPr lang="en-IN" sz="1600" dirty="0" smtClean="0">
+                <a:solidFill>
+                  <a:srgbClr val="002060"/>
+                </a:solidFill>
+              </a:rPr>
+              <a:t>Event Loop phases</a:t>
+            </a:r>
+          </a:p>
+          <a:p>
+            <a:pPr marL="342900" indent="-342900" algn="l">
+              <a:buAutoNum type="arabicPeriod"/>
+            </a:pPr>
+            <a:r>
+              <a:rPr lang="en-IN" sz="1600" dirty="0" smtClean="0">
+                <a:solidFill>
+                  <a:srgbClr val="002060"/>
+                </a:solidFill>
+              </a:rPr>
+              <a:t>First Phase: Timer</a:t>
+            </a:r>
+          </a:p>
+          <a:p>
+            <a:pPr marL="342900" indent="-342900" algn="l">
+              <a:buAutoNum type="arabicPeriod"/>
+            </a:pPr>
+            <a:r>
+              <a:rPr lang="en-IN" sz="1600" dirty="0" smtClean="0">
+                <a:solidFill>
+                  <a:srgbClr val="002060"/>
+                </a:solidFill>
+              </a:rPr>
+              <a:t>Second Phase: File/IO</a:t>
+            </a:r>
+          </a:p>
+          <a:p>
+            <a:pPr marL="342900" indent="-342900" algn="l">
+              <a:buAutoNum type="arabicPeriod"/>
+            </a:pPr>
+            <a:r>
+              <a:rPr lang="en-IN" sz="1600" dirty="0" smtClean="0">
+                <a:solidFill>
+                  <a:srgbClr val="002060"/>
+                </a:solidFill>
+              </a:rPr>
+              <a:t>Third Phase: </a:t>
+            </a:r>
+            <a:r>
+              <a:rPr lang="en-IN" sz="1600" dirty="0" err="1" smtClean="0">
+                <a:solidFill>
+                  <a:srgbClr val="002060"/>
+                </a:solidFill>
+              </a:rPr>
+              <a:t>setImmediate</a:t>
+            </a:r>
+            <a:endParaRPr lang="en-IN" sz="1600" dirty="0" smtClean="0">
+              <a:solidFill>
+                <a:srgbClr val="002060"/>
+              </a:solidFill>
+            </a:endParaRPr>
+          </a:p>
+          <a:p>
+            <a:pPr marL="342900" indent="-342900" algn="l">
+              <a:buAutoNum type="arabicPeriod"/>
+            </a:pPr>
+            <a:r>
+              <a:rPr lang="en-IN" sz="1600" dirty="0" smtClean="0">
+                <a:solidFill>
+                  <a:srgbClr val="002060"/>
+                </a:solidFill>
+              </a:rPr>
+              <a:t>Fourth Phase: end operations</a:t>
+            </a:r>
+          </a:p>
+          <a:p>
+            <a:pPr marL="342900" indent="-342900" algn="l">
+              <a:buAutoNum type="arabicPeriod"/>
+            </a:pPr>
+            <a:endParaRPr lang="en-IN" sz="1600" dirty="0">
+              <a:solidFill>
+                <a:srgbClr val="002060"/>
+              </a:solidFill>
+            </a:endParaRPr>
+          </a:p>
+        </p:txBody>
+      </p:sp>
+      <p:pic>
+        <p:nvPicPr>
+          <p:cNvPr id="3074" name="Picture 2"/>
+          <p:cNvPicPr>
+            <a:picLocks noChangeAspect="1" noChangeArrowheads="1"/>
+          </p:cNvPicPr>
+          <p:nvPr/>
+        </p:nvPicPr>
+        <p:blipFill>
+          <a:blip r:embed="rId3">
+            <a:extLst>
+              <a:ext uri="{28A0092B-C50C-407E-A947-70E740481C1C}">
+                <a14:useLocalDpi xmlns:a14="http://schemas.microsoft.com/office/drawing/2010/main" val="0"/>
+              </a:ext>
+            </a:extLst>
+          </a:blip>
+          <a:srcRect/>
+          <a:stretch>
+            <a:fillRect/>
+          </a:stretch>
+        </p:blipFill>
+        <p:spPr bwMode="auto">
+          <a:xfrm>
+            <a:off x="61913" y="2216993"/>
+            <a:ext cx="9021763" cy="4524375"/>
+          </a:xfrm>
+          <a:prstGeom prst="rect">
+            <a:avLst/>
+          </a:prstGeom>
+          <a:noFill/>
+          <a:ln>
+            <a:noFill/>
+          </a:ln>
+          <a:effectLst/>
+          <a:extLst>
+            <a:ext uri="{909E8E84-426E-40DD-AFC4-6F175D3DCCD1}">
+              <a14:hiddenFill xmlns:a14="http://schemas.microsoft.com/office/drawing/2010/main">
+                <a:solidFill>
+                  <a:schemeClr val="accent1"/>
+                </a:solidFill>
+              </a14:hiddenFill>
+            </a:ext>
+            <a:ext uri="{91240B29-F687-4F45-9708-019B960494DF}">
+              <a14:hiddenLine xmlns:a14="http://schemas.microsoft.com/office/drawing/2010/main" w="9525">
+                <a:solidFill>
+                  <a:schemeClr val="tx1"/>
+                </a:solidFill>
+                <a:miter lim="800000"/>
+                <a:headEnd/>
+                <a:tailEnd/>
+              </a14:hiddenLine>
+            </a:ext>
+            <a:ext uri="{AF507438-7753-43E0-B8FC-AC1667EBCBE1}">
+              <a14:hiddenEffects xmlns:a14="http://schemas.microsoft.com/office/drawing/2010/main">
+                <a:effectLst>
+                  <a:outerShdw dist="35921" dir="2700000" algn="ctr" rotWithShape="0">
+                    <a:schemeClr val="bg2"/>
+                  </a:outerShdw>
+                </a:effectLst>
+              </a14:hiddenEffects>
+            </a:ext>
+          </a:extLst>
+        </p:spPr>
+      </p:pic>
+      <p:cxnSp>
+        <p:nvCxnSpPr>
+          <p:cNvPr id="4" name="Straight Arrow Connector 3"/>
+          <p:cNvCxnSpPr/>
+          <p:nvPr/>
+        </p:nvCxnSpPr>
+        <p:spPr>
+          <a:xfrm>
+            <a:off x="1619672" y="2852936"/>
+            <a:ext cx="4248472" cy="792088"/>
+          </a:xfrm>
+          <a:prstGeom prst="straightConnector1">
+            <a:avLst/>
+          </a:prstGeom>
+          <a:ln w="28575">
+            <a:solidFill>
+              <a:srgbClr val="FF0000"/>
+            </a:solidFill>
+            <a:tailEnd type="arrow"/>
+          </a:ln>
+        </p:spPr>
+        <p:style>
+          <a:lnRef idx="1">
+            <a:schemeClr val="accent1"/>
+          </a:lnRef>
+          <a:fillRef idx="0">
+            <a:schemeClr val="accent1"/>
+          </a:fillRef>
+          <a:effectRef idx="0">
+            <a:schemeClr val="accent1"/>
+          </a:effectRef>
+          <a:fontRef idx="minor">
+            <a:schemeClr val="tx1"/>
+          </a:fontRef>
+        </p:style>
+      </p:cxnSp>
+      <p:cxnSp>
+        <p:nvCxnSpPr>
+          <p:cNvPr id="8" name="Straight Arrow Connector 7"/>
+          <p:cNvCxnSpPr/>
+          <p:nvPr/>
+        </p:nvCxnSpPr>
+        <p:spPr>
+          <a:xfrm flipV="1">
+            <a:off x="1907704" y="3797424"/>
+            <a:ext cx="4112840" cy="135632"/>
+          </a:xfrm>
+          <a:prstGeom prst="straightConnector1">
+            <a:avLst/>
+          </a:prstGeom>
+          <a:ln w="28575">
+            <a:solidFill>
+              <a:srgbClr val="FF0000"/>
+            </a:solidFill>
+            <a:tailEnd type="arrow"/>
+          </a:ln>
+        </p:spPr>
+        <p:style>
+          <a:lnRef idx="1">
+            <a:schemeClr val="accent1"/>
+          </a:lnRef>
+          <a:fillRef idx="0">
+            <a:schemeClr val="accent1"/>
+          </a:fillRef>
+          <a:effectRef idx="0">
+            <a:schemeClr val="accent1"/>
+          </a:effectRef>
+          <a:fontRef idx="minor">
+            <a:schemeClr val="tx1"/>
+          </a:fontRef>
+        </p:style>
+      </p:cxnSp>
+      <p:cxnSp>
+        <p:nvCxnSpPr>
+          <p:cNvPr id="10" name="Straight Arrow Connector 9"/>
+          <p:cNvCxnSpPr/>
+          <p:nvPr/>
+        </p:nvCxnSpPr>
+        <p:spPr>
+          <a:xfrm>
+            <a:off x="1835696" y="4581128"/>
+            <a:ext cx="4104456" cy="432048"/>
+          </a:xfrm>
+          <a:prstGeom prst="straightConnector1">
+            <a:avLst/>
+          </a:prstGeom>
+          <a:ln w="28575">
+            <a:solidFill>
+              <a:srgbClr val="FF0000"/>
+            </a:solidFill>
+            <a:tailEnd type="arrow"/>
+          </a:ln>
+        </p:spPr>
+        <p:style>
+          <a:lnRef idx="1">
+            <a:schemeClr val="accent1"/>
+          </a:lnRef>
+          <a:fillRef idx="0">
+            <a:schemeClr val="accent1"/>
+          </a:fillRef>
+          <a:effectRef idx="0">
+            <a:schemeClr val="accent1"/>
+          </a:effectRef>
+          <a:fontRef idx="minor">
+            <a:schemeClr val="tx1"/>
+          </a:fontRef>
+        </p:style>
+      </p:cxnSp>
+      <p:cxnSp>
+        <p:nvCxnSpPr>
+          <p:cNvPr id="14" name="Straight Arrow Connector 13"/>
+          <p:cNvCxnSpPr/>
+          <p:nvPr/>
+        </p:nvCxnSpPr>
+        <p:spPr>
+          <a:xfrm>
+            <a:off x="1547664" y="3329372"/>
+            <a:ext cx="4472880" cy="1035732"/>
+          </a:xfrm>
+          <a:prstGeom prst="straightConnector1">
+            <a:avLst/>
+          </a:prstGeom>
+          <a:ln w="28575">
+            <a:solidFill>
+              <a:srgbClr val="FF0000"/>
+            </a:solidFill>
+            <a:tailEnd type="arrow"/>
+          </a:ln>
+        </p:spPr>
+        <p:style>
+          <a:lnRef idx="1">
+            <a:schemeClr val="accent1"/>
+          </a:lnRef>
+          <a:fillRef idx="0">
+            <a:schemeClr val="accent1"/>
+          </a:fillRef>
+          <a:effectRef idx="0">
+            <a:schemeClr val="accent1"/>
+          </a:effectRef>
+          <a:fontRef idx="minor">
+            <a:schemeClr val="tx1"/>
+          </a:fontRef>
+        </p:style>
+      </p:cxnSp>
+      <p:cxnSp>
+        <p:nvCxnSpPr>
+          <p:cNvPr id="17" name="Straight Arrow Connector 16"/>
+          <p:cNvCxnSpPr/>
+          <p:nvPr/>
+        </p:nvCxnSpPr>
+        <p:spPr>
+          <a:xfrm flipV="1">
+            <a:off x="1619672" y="4493800"/>
+            <a:ext cx="4300709" cy="951424"/>
+          </a:xfrm>
+          <a:prstGeom prst="straightConnector1">
+            <a:avLst/>
+          </a:prstGeom>
+          <a:ln w="28575">
+            <a:solidFill>
+              <a:srgbClr val="FF0000"/>
+            </a:solidFill>
+            <a:tailEnd type="arrow"/>
+          </a:ln>
+        </p:spPr>
+        <p:style>
+          <a:lnRef idx="1">
+            <a:schemeClr val="accent1"/>
+          </a:lnRef>
+          <a:fillRef idx="0">
+            <a:schemeClr val="accent1"/>
+          </a:fillRef>
+          <a:effectRef idx="0">
+            <a:schemeClr val="accent1"/>
+          </a:effectRef>
+          <a:fontRef idx="minor">
+            <a:schemeClr val="tx1"/>
+          </a:fontRef>
+        </p:style>
+      </p:cxnSp>
+      <p:cxnSp>
+        <p:nvCxnSpPr>
+          <p:cNvPr id="20" name="Straight Arrow Connector 19"/>
+          <p:cNvCxnSpPr/>
+          <p:nvPr/>
+        </p:nvCxnSpPr>
+        <p:spPr>
+          <a:xfrm flipV="1">
+            <a:off x="2267744" y="5733256"/>
+            <a:ext cx="3752800" cy="288032"/>
+          </a:xfrm>
+          <a:prstGeom prst="straightConnector1">
+            <a:avLst/>
+          </a:prstGeom>
+          <a:ln w="28575">
+            <a:solidFill>
+              <a:srgbClr val="FF0000"/>
+            </a:solidFill>
+            <a:tailEnd type="arrow"/>
+          </a:ln>
+        </p:spPr>
+        <p:style>
+          <a:lnRef idx="1">
+            <a:schemeClr val="accent1"/>
+          </a:lnRef>
+          <a:fillRef idx="0">
+            <a:schemeClr val="accent1"/>
+          </a:fillRef>
+          <a:effectRef idx="0">
+            <a:schemeClr val="accent1"/>
+          </a:effectRef>
+          <a:fontRef idx="minor">
+            <a:schemeClr val="tx1"/>
+          </a:fontRef>
+        </p:style>
+      </p:cxnSp>
+      <p:pic>
+        <p:nvPicPr>
+          <p:cNvPr id="3075" name="Picture 3"/>
+          <p:cNvPicPr>
+            <a:picLocks noChangeAspect="1" noChangeArrowheads="1"/>
+          </p:cNvPicPr>
+          <p:nvPr/>
+        </p:nvPicPr>
+        <p:blipFill>
+          <a:blip r:embed="rId4">
+            <a:extLst>
+              <a:ext uri="{28A0092B-C50C-407E-A947-70E740481C1C}">
+                <a14:useLocalDpi xmlns:a14="http://schemas.microsoft.com/office/drawing/2010/main" val="0"/>
+              </a:ext>
+            </a:extLst>
+          </a:blip>
+          <a:srcRect/>
+          <a:stretch>
+            <a:fillRect/>
+          </a:stretch>
+        </p:blipFill>
+        <p:spPr bwMode="auto">
+          <a:xfrm>
+            <a:off x="7308304" y="3796258"/>
+            <a:ext cx="1562100" cy="1504950"/>
+          </a:xfrm>
+          <a:prstGeom prst="rect">
+            <a:avLst/>
+          </a:prstGeom>
+          <a:noFill/>
+          <a:ln>
+            <a:noFill/>
+          </a:ln>
+          <a:effectLst/>
+          <a:extLst>
+            <a:ext uri="{909E8E84-426E-40DD-AFC4-6F175D3DCCD1}">
+              <a14:hiddenFill xmlns:a14="http://schemas.microsoft.com/office/drawing/2010/main">
+                <a:solidFill>
+                  <a:schemeClr val="accent1"/>
+                </a:solidFill>
+              </a14:hiddenFill>
+            </a:ext>
+            <a:ext uri="{91240B29-F687-4F45-9708-019B960494DF}">
+              <a14:hiddenLine xmlns:a14="http://schemas.microsoft.com/office/drawing/2010/main" w="9525">
+                <a:solidFill>
+                  <a:schemeClr val="tx1"/>
+                </a:solidFill>
+                <a:miter lim="800000"/>
+                <a:headEnd/>
+                <a:tailEnd/>
+              </a14:hiddenLine>
+            </a:ext>
+            <a:ext uri="{AF507438-7753-43E0-B8FC-AC1667EBCBE1}">
+              <a14:hiddenEffects xmlns:a14="http://schemas.microsoft.com/office/drawing/2010/main">
+                <a:effectLst>
+                  <a:outerShdw dist="35921" dir="2700000" algn="ctr" rotWithShape="0">
+                    <a:schemeClr val="bg2"/>
+                  </a:outerShdw>
+                </a:effectLst>
+              </a14:hiddenEffects>
+            </a:ext>
+          </a:extLst>
+        </p:spPr>
+      </p:pic>
+    </p:spTree>
+    <p:extLst>
+      <p:ext uri="{BB962C8B-B14F-4D97-AF65-F5344CB8AC3E}">
+        <p14:creationId xmlns:p14="http://schemas.microsoft.com/office/powerpoint/2010/main" val="1739650261"/>
       </p:ext>
     </p:extLst>
   </p:cSld>

--- a/NodeJS-Architecture.pptx
+++ b/NodeJS-Architecture.pptx
@@ -5,7 +5,7 @@
     <p:sldMasterId id="2147483648" r:id="rId1"/>
   </p:sldMasterIdLst>
   <p:notesMasterIdLst>
-    <p:notesMasterId r:id="rId7"/>
+    <p:notesMasterId r:id="rId9"/>
   </p:notesMasterIdLst>
   <p:sldIdLst>
     <p:sldId id="256" r:id="rId2"/>
@@ -13,6 +13,8 @@
     <p:sldId id="258" r:id="rId4"/>
     <p:sldId id="259" r:id="rId5"/>
     <p:sldId id="260" r:id="rId6"/>
+    <p:sldId id="261" r:id="rId7"/>
+    <p:sldId id="262" r:id="rId8"/>
   </p:sldIdLst>
   <p:sldSz cx="9144000" cy="6858000" type="screen4x3"/>
   <p:notesSz cx="6858000" cy="9144000"/>
@@ -196,7 +198,7 @@
           <a:p>
             <a:fld id="{8D25EB8F-2E7B-4F75-8EF1-38338E91602F}" type="datetimeFigureOut">
               <a:rPr lang="en-IN" smtClean="0"/>
-              <a:t>07-05-2024</a:t>
+              <a:t>11-05-2024</a:t>
             </a:fld>
             <a:endParaRPr lang="en-IN"/>
           </a:p>
@@ -981,7 +983,7 @@
           <a:p>
             <a:fld id="{BD428AA6-56EB-42E8-B0B2-E6A0099282B9}" type="datetimeFigureOut">
               <a:rPr lang="en-IN" smtClean="0"/>
-              <a:t>07-05-2024</a:t>
+              <a:t>11-05-2024</a:t>
             </a:fld>
             <a:endParaRPr lang="en-IN"/>
           </a:p>
@@ -1151,7 +1153,7 @@
           <a:p>
             <a:fld id="{BD428AA6-56EB-42E8-B0B2-E6A0099282B9}" type="datetimeFigureOut">
               <a:rPr lang="en-IN" smtClean="0"/>
-              <a:t>07-05-2024</a:t>
+              <a:t>11-05-2024</a:t>
             </a:fld>
             <a:endParaRPr lang="en-IN"/>
           </a:p>
@@ -1331,7 +1333,7 @@
           <a:p>
             <a:fld id="{BD428AA6-56EB-42E8-B0B2-E6A0099282B9}" type="datetimeFigureOut">
               <a:rPr lang="en-IN" smtClean="0"/>
-              <a:t>07-05-2024</a:t>
+              <a:t>11-05-2024</a:t>
             </a:fld>
             <a:endParaRPr lang="en-IN"/>
           </a:p>
@@ -1501,7 +1503,7 @@
           <a:p>
             <a:fld id="{BD428AA6-56EB-42E8-B0B2-E6A0099282B9}" type="datetimeFigureOut">
               <a:rPr lang="en-IN" smtClean="0"/>
-              <a:t>07-05-2024</a:t>
+              <a:t>11-05-2024</a:t>
             </a:fld>
             <a:endParaRPr lang="en-IN"/>
           </a:p>
@@ -1747,7 +1749,7 @@
           <a:p>
             <a:fld id="{BD428AA6-56EB-42E8-B0B2-E6A0099282B9}" type="datetimeFigureOut">
               <a:rPr lang="en-IN" smtClean="0"/>
-              <a:t>07-05-2024</a:t>
+              <a:t>11-05-2024</a:t>
             </a:fld>
             <a:endParaRPr lang="en-IN"/>
           </a:p>
@@ -2035,7 +2037,7 @@
           <a:p>
             <a:fld id="{BD428AA6-56EB-42E8-B0B2-E6A0099282B9}" type="datetimeFigureOut">
               <a:rPr lang="en-IN" smtClean="0"/>
-              <a:t>07-05-2024</a:t>
+              <a:t>11-05-2024</a:t>
             </a:fld>
             <a:endParaRPr lang="en-IN"/>
           </a:p>
@@ -2457,7 +2459,7 @@
           <a:p>
             <a:fld id="{BD428AA6-56EB-42E8-B0B2-E6A0099282B9}" type="datetimeFigureOut">
               <a:rPr lang="en-IN" smtClean="0"/>
-              <a:t>07-05-2024</a:t>
+              <a:t>11-05-2024</a:t>
             </a:fld>
             <a:endParaRPr lang="en-IN"/>
           </a:p>
@@ -2575,7 +2577,7 @@
           <a:p>
             <a:fld id="{BD428AA6-56EB-42E8-B0B2-E6A0099282B9}" type="datetimeFigureOut">
               <a:rPr lang="en-IN" smtClean="0"/>
-              <a:t>07-05-2024</a:t>
+              <a:t>11-05-2024</a:t>
             </a:fld>
             <a:endParaRPr lang="en-IN"/>
           </a:p>
@@ -2670,7 +2672,7 @@
           <a:p>
             <a:fld id="{BD428AA6-56EB-42E8-B0B2-E6A0099282B9}" type="datetimeFigureOut">
               <a:rPr lang="en-IN" smtClean="0"/>
-              <a:t>07-05-2024</a:t>
+              <a:t>11-05-2024</a:t>
             </a:fld>
             <a:endParaRPr lang="en-IN"/>
           </a:p>
@@ -2947,7 +2949,7 @@
           <a:p>
             <a:fld id="{BD428AA6-56EB-42E8-B0B2-E6A0099282B9}" type="datetimeFigureOut">
               <a:rPr lang="en-IN" smtClean="0"/>
-              <a:t>07-05-2024</a:t>
+              <a:t>11-05-2024</a:t>
             </a:fld>
             <a:endParaRPr lang="en-IN"/>
           </a:p>
@@ -3200,7 +3202,7 @@
           <a:p>
             <a:fld id="{BD428AA6-56EB-42E8-B0B2-E6A0099282B9}" type="datetimeFigureOut">
               <a:rPr lang="en-IN" smtClean="0"/>
-              <a:t>07-05-2024</a:t>
+              <a:t>11-05-2024</a:t>
             </a:fld>
             <a:endParaRPr lang="en-IN"/>
           </a:p>
@@ -3413,7 +3415,7 @@
           <a:p>
             <a:fld id="{BD428AA6-56EB-42E8-B0B2-E6A0099282B9}" type="datetimeFigureOut">
               <a:rPr lang="en-IN" smtClean="0"/>
-              <a:t>07-05-2024</a:t>
+              <a:t>11-05-2024</a:t>
             </a:fld>
             <a:endParaRPr lang="en-IN"/>
           </a:p>
@@ -4860,7 +4862,15 @@
                   <a:srgbClr val="002060"/>
                 </a:solidFill>
               </a:rPr>
-              <a:t>T</a:t>
+              <a:t>Toplevel</a:t>
+            </a:r>
+            <a:r>
+              <a:rPr lang="en-IN" sz="1600" dirty="0" smtClean="0">
+                <a:solidFill>
+                  <a:srgbClr val="002060"/>
+                </a:solidFill>
+              </a:rPr>
+              <a:t> code </a:t>
             </a:r>
             <a:r>
               <a:rPr lang="en-IN" sz="1600" dirty="0" err="1" smtClean="0">
@@ -4868,15 +4878,15 @@
                   <a:srgbClr val="002060"/>
                 </a:solidFill>
               </a:rPr>
-              <a:t>oplevel</a:t>
-            </a:r>
-            <a:r>
-              <a:rPr lang="en-IN" sz="1600" dirty="0" smtClean="0">
-                <a:solidFill>
-                  <a:srgbClr val="002060"/>
-                </a:solidFill>
-              </a:rPr>
-              <a:t> code </a:t>
+              <a:t>exceuted</a:t>
+            </a:r>
+            <a:r>
+              <a:rPr lang="en-IN" sz="1600" dirty="0" smtClean="0">
+                <a:solidFill>
+                  <a:srgbClr val="002060"/>
+                </a:solidFill>
+              </a:rPr>
+              <a:t> in </a:t>
             </a:r>
             <a:r>
               <a:rPr lang="en-IN" sz="1600" dirty="0" err="1" smtClean="0">
@@ -4884,22 +4894,6 @@
                   <a:srgbClr val="002060"/>
                 </a:solidFill>
               </a:rPr>
-              <a:t>exceuted</a:t>
-            </a:r>
-            <a:r>
-              <a:rPr lang="en-IN" sz="1600" dirty="0" smtClean="0">
-                <a:solidFill>
-                  <a:srgbClr val="002060"/>
-                </a:solidFill>
-              </a:rPr>
-              <a:t> in </a:t>
-            </a:r>
-            <a:r>
-              <a:rPr lang="en-IN" sz="1600" dirty="0" err="1" smtClean="0">
-                <a:solidFill>
-                  <a:srgbClr val="002060"/>
-                </a:solidFill>
-              </a:rPr>
               <a:t>MainThread</a:t>
             </a:r>
             <a:r>
@@ -4908,15 +4902,7 @@
                   <a:srgbClr val="002060"/>
                 </a:solidFill>
               </a:rPr>
-              <a:t> . </a:t>
-            </a:r>
-            <a:r>
-              <a:rPr lang="en-IN" sz="1600" dirty="0" smtClean="0">
-                <a:solidFill>
-                  <a:srgbClr val="002060"/>
-                </a:solidFill>
-              </a:rPr>
-              <a:t>All </a:t>
+              <a:t> . All </a:t>
             </a:r>
             <a:r>
               <a:rPr lang="en-IN" sz="1600" dirty="0" err="1">
@@ -5114,15 +5100,7 @@
                   <a:srgbClr val="002060"/>
                 </a:solidFill>
               </a:rPr>
-              <a:t>17. </a:t>
-            </a:r>
-            <a:r>
-              <a:rPr lang="en-IN" sz="1600" dirty="0" smtClean="0">
-                <a:solidFill>
-                  <a:srgbClr val="002060"/>
-                </a:solidFill>
-              </a:rPr>
-              <a:t>If </a:t>
+              <a:t>17. If </a:t>
             </a:r>
             <a:r>
               <a:rPr lang="en-IN" sz="1600" dirty="0" err="1" smtClean="0">
@@ -5835,6 +5813,194 @@
     <p:extLst>
       <p:ext uri="{BB962C8B-B14F-4D97-AF65-F5344CB8AC3E}">
         <p14:creationId xmlns:p14="http://schemas.microsoft.com/office/powerpoint/2010/main" val="1739650261"/>
+      </p:ext>
+    </p:extLst>
+  </p:cSld>
+  <p:clrMapOvr>
+    <a:masterClrMapping/>
+  </p:clrMapOvr>
+</p:sld>
+</file>
+
+<file path=ppt/slides/slide6.xml><?xml version="1.0" encoding="utf-8"?>
+<p:sld xmlns:a="http://schemas.openxmlformats.org/drawingml/2006/main" xmlns:r="http://schemas.openxmlformats.org/officeDocument/2006/relationships" xmlns:p="http://schemas.openxmlformats.org/presentationml/2006/main">
+  <p:cSld>
+    <p:spTree>
+      <p:nvGrpSpPr>
+        <p:cNvPr id="1" name=""/>
+        <p:cNvGrpSpPr/>
+        <p:nvPr/>
+      </p:nvGrpSpPr>
+      <p:grpSpPr>
+        <a:xfrm>
+          <a:off x="0" y="0"/>
+          <a:ext cx="0" cy="0"/>
+          <a:chOff x="0" y="0"/>
+          <a:chExt cx="0" cy="0"/>
+        </a:xfrm>
+      </p:grpSpPr>
+      <p:pic>
+        <p:nvPicPr>
+          <p:cNvPr id="1026" name="Picture 2"/>
+          <p:cNvPicPr>
+            <a:picLocks noChangeAspect="1" noChangeArrowheads="1"/>
+          </p:cNvPicPr>
+          <p:nvPr/>
+        </p:nvPicPr>
+        <p:blipFill>
+          <a:blip r:embed="rId2">
+            <a:extLst>
+              <a:ext uri="{28A0092B-C50C-407E-A947-70E740481C1C}">
+                <a14:useLocalDpi xmlns:a14="http://schemas.microsoft.com/office/drawing/2010/main" val="0"/>
+              </a:ext>
+            </a:extLst>
+          </a:blip>
+          <a:srcRect/>
+          <a:stretch>
+            <a:fillRect/>
+          </a:stretch>
+        </p:blipFill>
+        <p:spPr bwMode="auto">
+          <a:xfrm>
+            <a:off x="251520" y="188640"/>
+            <a:ext cx="6624736" cy="3024336"/>
+          </a:xfrm>
+          <a:prstGeom prst="rect">
+            <a:avLst/>
+          </a:prstGeom>
+          <a:noFill/>
+          <a:ln>
+            <a:noFill/>
+          </a:ln>
+          <a:effectLst/>
+          <a:extLst>
+            <a:ext uri="{909E8E84-426E-40DD-AFC4-6F175D3DCCD1}">
+              <a14:hiddenFill xmlns:a14="http://schemas.microsoft.com/office/drawing/2010/main">
+                <a:solidFill>
+                  <a:schemeClr val="accent1"/>
+                </a:solidFill>
+              </a14:hiddenFill>
+            </a:ext>
+            <a:ext uri="{91240B29-F687-4F45-9708-019B960494DF}">
+              <a14:hiddenLine xmlns:a14="http://schemas.microsoft.com/office/drawing/2010/main" w="9525">
+                <a:solidFill>
+                  <a:schemeClr val="tx1"/>
+                </a:solidFill>
+                <a:miter lim="800000"/>
+                <a:headEnd/>
+                <a:tailEnd/>
+              </a14:hiddenLine>
+            </a:ext>
+            <a:ext uri="{AF507438-7753-43E0-B8FC-AC1667EBCBE1}">
+              <a14:hiddenEffects xmlns:a14="http://schemas.microsoft.com/office/drawing/2010/main">
+                <a:effectLst>
+                  <a:outerShdw dist="35921" dir="2700000" algn="ctr" rotWithShape="0">
+                    <a:schemeClr val="bg2"/>
+                  </a:outerShdw>
+                </a:effectLst>
+              </a14:hiddenEffects>
+            </a:ext>
+          </a:extLst>
+        </p:spPr>
+      </p:pic>
+      <p:pic>
+        <p:nvPicPr>
+          <p:cNvPr id="1027" name="Picture 3"/>
+          <p:cNvPicPr>
+            <a:picLocks noChangeAspect="1" noChangeArrowheads="1"/>
+          </p:cNvPicPr>
+          <p:nvPr/>
+        </p:nvPicPr>
+        <p:blipFill>
+          <a:blip r:embed="rId3">
+            <a:extLst>
+              <a:ext uri="{28A0092B-C50C-407E-A947-70E740481C1C}">
+                <a14:useLocalDpi xmlns:a14="http://schemas.microsoft.com/office/drawing/2010/main" val="0"/>
+              </a:ext>
+            </a:extLst>
+          </a:blip>
+          <a:srcRect/>
+          <a:stretch>
+            <a:fillRect/>
+          </a:stretch>
+        </p:blipFill>
+        <p:spPr bwMode="auto">
+          <a:xfrm>
+            <a:off x="1835696" y="3429000"/>
+            <a:ext cx="6584404" cy="3384376"/>
+          </a:xfrm>
+          <a:prstGeom prst="rect">
+            <a:avLst/>
+          </a:prstGeom>
+          <a:noFill/>
+          <a:ln>
+            <a:noFill/>
+          </a:ln>
+          <a:effectLst/>
+          <a:extLst>
+            <a:ext uri="{909E8E84-426E-40DD-AFC4-6F175D3DCCD1}">
+              <a14:hiddenFill xmlns:a14="http://schemas.microsoft.com/office/drawing/2010/main">
+                <a:solidFill>
+                  <a:schemeClr val="accent1"/>
+                </a:solidFill>
+              </a14:hiddenFill>
+            </a:ext>
+            <a:ext uri="{91240B29-F687-4F45-9708-019B960494DF}">
+              <a14:hiddenLine xmlns:a14="http://schemas.microsoft.com/office/drawing/2010/main" w="9525">
+                <a:solidFill>
+                  <a:schemeClr val="tx1"/>
+                </a:solidFill>
+                <a:miter lim="800000"/>
+                <a:headEnd/>
+                <a:tailEnd/>
+              </a14:hiddenLine>
+            </a:ext>
+            <a:ext uri="{AF507438-7753-43E0-B8FC-AC1667EBCBE1}">
+              <a14:hiddenEffects xmlns:a14="http://schemas.microsoft.com/office/drawing/2010/main">
+                <a:effectLst>
+                  <a:outerShdw dist="35921" dir="2700000" algn="ctr" rotWithShape="0">
+                    <a:schemeClr val="bg2"/>
+                  </a:outerShdw>
+                </a:effectLst>
+              </a14:hiddenEffects>
+            </a:ext>
+          </a:extLst>
+        </p:spPr>
+      </p:pic>
+    </p:spTree>
+    <p:extLst>
+      <p:ext uri="{BB962C8B-B14F-4D97-AF65-F5344CB8AC3E}">
+        <p14:creationId xmlns:p14="http://schemas.microsoft.com/office/powerpoint/2010/main" val="2353205836"/>
+      </p:ext>
+    </p:extLst>
+  </p:cSld>
+  <p:clrMapOvr>
+    <a:masterClrMapping/>
+  </p:clrMapOvr>
+</p:sld>
+</file>
+
+<file path=ppt/slides/slide7.xml><?xml version="1.0" encoding="utf-8"?>
+<p:sld xmlns:a="http://schemas.openxmlformats.org/drawingml/2006/main" xmlns:r="http://schemas.openxmlformats.org/officeDocument/2006/relationships" xmlns:p="http://schemas.openxmlformats.org/presentationml/2006/main">
+  <p:cSld>
+    <p:spTree>
+      <p:nvGrpSpPr>
+        <p:cNvPr id="1" name=""/>
+        <p:cNvGrpSpPr/>
+        <p:nvPr/>
+      </p:nvGrpSpPr>
+      <p:grpSpPr>
+        <a:xfrm>
+          <a:off x="0" y="0"/>
+          <a:ext cx="0" cy="0"/>
+          <a:chOff x="0" y="0"/>
+          <a:chExt cx="0" cy="0"/>
+        </a:xfrm>
+      </p:grpSpPr>
+    </p:spTree>
+    <p:extLst>
+      <p:ext uri="{BB962C8B-B14F-4D97-AF65-F5344CB8AC3E}">
+        <p14:creationId xmlns:p14="http://schemas.microsoft.com/office/powerpoint/2010/main" val="3079002569"/>
       </p:ext>
     </p:extLst>
   </p:cSld>

--- a/NodeJS-Architecture.pptx
+++ b/NodeJS-Architecture.pptx
@@ -5,7 +5,7 @@
     <p:sldMasterId id="2147483648" r:id="rId1"/>
   </p:sldMasterIdLst>
   <p:notesMasterIdLst>
-    <p:notesMasterId r:id="rId9"/>
+    <p:notesMasterId r:id="rId10"/>
   </p:notesMasterIdLst>
   <p:sldIdLst>
     <p:sldId id="256" r:id="rId2"/>
@@ -14,7 +14,8 @@
     <p:sldId id="259" r:id="rId5"/>
     <p:sldId id="260" r:id="rId6"/>
     <p:sldId id="261" r:id="rId7"/>
-    <p:sldId id="262" r:id="rId8"/>
+    <p:sldId id="263" r:id="rId8"/>
+    <p:sldId id="262" r:id="rId9"/>
   </p:sldIdLst>
   <p:sldSz cx="9144000" cy="6858000" type="screen4x3"/>
   <p:notesSz cx="6858000" cy="9144000"/>
@@ -198,7 +199,7 @@
           <a:p>
             <a:fld id="{8D25EB8F-2E7B-4F75-8EF1-38338E91602F}" type="datetimeFigureOut">
               <a:rPr lang="en-IN" smtClean="0"/>
-              <a:t>11-05-2024</a:t>
+              <a:t>28-05-2024</a:t>
             </a:fld>
             <a:endParaRPr lang="en-IN"/>
           </a:p>
@@ -983,7 +984,7 @@
           <a:p>
             <a:fld id="{BD428AA6-56EB-42E8-B0B2-E6A0099282B9}" type="datetimeFigureOut">
               <a:rPr lang="en-IN" smtClean="0"/>
-              <a:t>11-05-2024</a:t>
+              <a:t>28-05-2024</a:t>
             </a:fld>
             <a:endParaRPr lang="en-IN"/>
           </a:p>
@@ -1153,7 +1154,7 @@
           <a:p>
             <a:fld id="{BD428AA6-56EB-42E8-B0B2-E6A0099282B9}" type="datetimeFigureOut">
               <a:rPr lang="en-IN" smtClean="0"/>
-              <a:t>11-05-2024</a:t>
+              <a:t>28-05-2024</a:t>
             </a:fld>
             <a:endParaRPr lang="en-IN"/>
           </a:p>
@@ -1333,7 +1334,7 @@
           <a:p>
             <a:fld id="{BD428AA6-56EB-42E8-B0B2-E6A0099282B9}" type="datetimeFigureOut">
               <a:rPr lang="en-IN" smtClean="0"/>
-              <a:t>11-05-2024</a:t>
+              <a:t>28-05-2024</a:t>
             </a:fld>
             <a:endParaRPr lang="en-IN"/>
           </a:p>
@@ -1503,7 +1504,7 @@
           <a:p>
             <a:fld id="{BD428AA6-56EB-42E8-B0B2-E6A0099282B9}" type="datetimeFigureOut">
               <a:rPr lang="en-IN" smtClean="0"/>
-              <a:t>11-05-2024</a:t>
+              <a:t>28-05-2024</a:t>
             </a:fld>
             <a:endParaRPr lang="en-IN"/>
           </a:p>
@@ -1749,7 +1750,7 @@
           <a:p>
             <a:fld id="{BD428AA6-56EB-42E8-B0B2-E6A0099282B9}" type="datetimeFigureOut">
               <a:rPr lang="en-IN" smtClean="0"/>
-              <a:t>11-05-2024</a:t>
+              <a:t>28-05-2024</a:t>
             </a:fld>
             <a:endParaRPr lang="en-IN"/>
           </a:p>
@@ -2037,7 +2038,7 @@
           <a:p>
             <a:fld id="{BD428AA6-56EB-42E8-B0B2-E6A0099282B9}" type="datetimeFigureOut">
               <a:rPr lang="en-IN" smtClean="0"/>
-              <a:t>11-05-2024</a:t>
+              <a:t>28-05-2024</a:t>
             </a:fld>
             <a:endParaRPr lang="en-IN"/>
           </a:p>
@@ -2459,7 +2460,7 @@
           <a:p>
             <a:fld id="{BD428AA6-56EB-42E8-B0B2-E6A0099282B9}" type="datetimeFigureOut">
               <a:rPr lang="en-IN" smtClean="0"/>
-              <a:t>11-05-2024</a:t>
+              <a:t>28-05-2024</a:t>
             </a:fld>
             <a:endParaRPr lang="en-IN"/>
           </a:p>
@@ -2577,7 +2578,7 @@
           <a:p>
             <a:fld id="{BD428AA6-56EB-42E8-B0B2-E6A0099282B9}" type="datetimeFigureOut">
               <a:rPr lang="en-IN" smtClean="0"/>
-              <a:t>11-05-2024</a:t>
+              <a:t>28-05-2024</a:t>
             </a:fld>
             <a:endParaRPr lang="en-IN"/>
           </a:p>
@@ -2672,7 +2673,7 @@
           <a:p>
             <a:fld id="{BD428AA6-56EB-42E8-B0B2-E6A0099282B9}" type="datetimeFigureOut">
               <a:rPr lang="en-IN" smtClean="0"/>
-              <a:t>11-05-2024</a:t>
+              <a:t>28-05-2024</a:t>
             </a:fld>
             <a:endParaRPr lang="en-IN"/>
           </a:p>
@@ -2949,7 +2950,7 @@
           <a:p>
             <a:fld id="{BD428AA6-56EB-42E8-B0B2-E6A0099282B9}" type="datetimeFigureOut">
               <a:rPr lang="en-IN" smtClean="0"/>
-              <a:t>11-05-2024</a:t>
+              <a:t>28-05-2024</a:t>
             </a:fld>
             <a:endParaRPr lang="en-IN"/>
           </a:p>
@@ -3202,7 +3203,7 @@
           <a:p>
             <a:fld id="{BD428AA6-56EB-42E8-B0B2-E6A0099282B9}" type="datetimeFigureOut">
               <a:rPr lang="en-IN" smtClean="0"/>
-              <a:t>11-05-2024</a:t>
+              <a:t>28-05-2024</a:t>
             </a:fld>
             <a:endParaRPr lang="en-IN"/>
           </a:p>
@@ -3415,7 +3416,7 @@
           <a:p>
             <a:fld id="{BD428AA6-56EB-42E8-B0B2-E6A0099282B9}" type="datetimeFigureOut">
               <a:rPr lang="en-IN" smtClean="0"/>
-              <a:t>11-05-2024</a:t>
+              <a:t>28-05-2024</a:t>
             </a:fld>
             <a:endParaRPr lang="en-IN"/>
           </a:p>
@@ -5997,6 +5998,228 @@
           <a:chExt cx="0" cy="0"/>
         </a:xfrm>
       </p:grpSpPr>
+      <p:pic>
+        <p:nvPicPr>
+          <p:cNvPr id="2050" name="Picture 2"/>
+          <p:cNvPicPr>
+            <a:picLocks noChangeAspect="1" noChangeArrowheads="1"/>
+          </p:cNvPicPr>
+          <p:nvPr/>
+        </p:nvPicPr>
+        <p:blipFill>
+          <a:blip r:embed="rId2">
+            <a:extLst>
+              <a:ext uri="{28A0092B-C50C-407E-A947-70E740481C1C}">
+                <a14:useLocalDpi xmlns:a14="http://schemas.microsoft.com/office/drawing/2010/main" val="0"/>
+              </a:ext>
+            </a:extLst>
+          </a:blip>
+          <a:srcRect/>
+          <a:stretch>
+            <a:fillRect/>
+          </a:stretch>
+        </p:blipFill>
+        <p:spPr bwMode="auto">
+          <a:xfrm>
+            <a:off x="122238" y="116632"/>
+            <a:ext cx="8897937" cy="3024336"/>
+          </a:xfrm>
+          <a:prstGeom prst="rect">
+            <a:avLst/>
+          </a:prstGeom>
+          <a:noFill/>
+          <a:ln>
+            <a:noFill/>
+          </a:ln>
+          <a:effectLst/>
+          <a:extLst>
+            <a:ext uri="{909E8E84-426E-40DD-AFC4-6F175D3DCCD1}">
+              <a14:hiddenFill xmlns:a14="http://schemas.microsoft.com/office/drawing/2010/main">
+                <a:solidFill>
+                  <a:schemeClr val="accent1"/>
+                </a:solidFill>
+              </a14:hiddenFill>
+            </a:ext>
+            <a:ext uri="{91240B29-F687-4F45-9708-019B960494DF}">
+              <a14:hiddenLine xmlns:a14="http://schemas.microsoft.com/office/drawing/2010/main" w="9525">
+                <a:solidFill>
+                  <a:schemeClr val="tx1"/>
+                </a:solidFill>
+                <a:miter lim="800000"/>
+                <a:headEnd/>
+                <a:tailEnd/>
+              </a14:hiddenLine>
+            </a:ext>
+            <a:ext uri="{AF507438-7753-43E0-B8FC-AC1667EBCBE1}">
+              <a14:hiddenEffects xmlns:a14="http://schemas.microsoft.com/office/drawing/2010/main">
+                <a:effectLst>
+                  <a:outerShdw dist="35921" dir="2700000" algn="ctr" rotWithShape="0">
+                    <a:schemeClr val="bg2"/>
+                  </a:outerShdw>
+                </a:effectLst>
+              </a14:hiddenEffects>
+            </a:ext>
+          </a:extLst>
+        </p:spPr>
+      </p:pic>
+      <p:pic>
+        <p:nvPicPr>
+          <p:cNvPr id="2051" name="Picture 3"/>
+          <p:cNvPicPr>
+            <a:picLocks noChangeAspect="1" noChangeArrowheads="1"/>
+          </p:cNvPicPr>
+          <p:nvPr/>
+        </p:nvPicPr>
+        <p:blipFill>
+          <a:blip r:embed="rId3">
+            <a:extLst>
+              <a:ext uri="{28A0092B-C50C-407E-A947-70E740481C1C}">
+                <a14:useLocalDpi xmlns:a14="http://schemas.microsoft.com/office/drawing/2010/main" val="0"/>
+              </a:ext>
+            </a:extLst>
+          </a:blip>
+          <a:srcRect/>
+          <a:stretch>
+            <a:fillRect/>
+          </a:stretch>
+        </p:blipFill>
+        <p:spPr bwMode="auto">
+          <a:xfrm>
+            <a:off x="155575" y="3331418"/>
+            <a:ext cx="8831263" cy="3409950"/>
+          </a:xfrm>
+          <a:prstGeom prst="rect">
+            <a:avLst/>
+          </a:prstGeom>
+          <a:noFill/>
+          <a:ln>
+            <a:noFill/>
+          </a:ln>
+          <a:effectLst/>
+          <a:extLst>
+            <a:ext uri="{909E8E84-426E-40DD-AFC4-6F175D3DCCD1}">
+              <a14:hiddenFill xmlns:a14="http://schemas.microsoft.com/office/drawing/2010/main">
+                <a:solidFill>
+                  <a:schemeClr val="accent1"/>
+                </a:solidFill>
+              </a14:hiddenFill>
+            </a:ext>
+            <a:ext uri="{91240B29-F687-4F45-9708-019B960494DF}">
+              <a14:hiddenLine xmlns:a14="http://schemas.microsoft.com/office/drawing/2010/main" w="9525">
+                <a:solidFill>
+                  <a:schemeClr val="tx1"/>
+                </a:solidFill>
+                <a:miter lim="800000"/>
+                <a:headEnd/>
+                <a:tailEnd/>
+              </a14:hiddenLine>
+            </a:ext>
+            <a:ext uri="{AF507438-7753-43E0-B8FC-AC1667EBCBE1}">
+              <a14:hiddenEffects xmlns:a14="http://schemas.microsoft.com/office/drawing/2010/main">
+                <a:effectLst>
+                  <a:outerShdw dist="35921" dir="2700000" algn="ctr" rotWithShape="0">
+                    <a:schemeClr val="bg2"/>
+                  </a:outerShdw>
+                </a:effectLst>
+              </a14:hiddenEffects>
+            </a:ext>
+          </a:extLst>
+        </p:spPr>
+      </p:pic>
+    </p:spTree>
+    <p:extLst>
+      <p:ext uri="{BB962C8B-B14F-4D97-AF65-F5344CB8AC3E}">
+        <p14:creationId xmlns:p14="http://schemas.microsoft.com/office/powerpoint/2010/main" val="2043005088"/>
+      </p:ext>
+    </p:extLst>
+  </p:cSld>
+  <p:clrMapOvr>
+    <a:masterClrMapping/>
+  </p:clrMapOvr>
+</p:sld>
+</file>
+
+<file path=ppt/slides/slide8.xml><?xml version="1.0" encoding="utf-8"?>
+<p:sld xmlns:a="http://schemas.openxmlformats.org/drawingml/2006/main" xmlns:r="http://schemas.openxmlformats.org/officeDocument/2006/relationships" xmlns:p="http://schemas.openxmlformats.org/presentationml/2006/main">
+  <p:cSld>
+    <p:spTree>
+      <p:nvGrpSpPr>
+        <p:cNvPr id="1" name=""/>
+        <p:cNvGrpSpPr/>
+        <p:nvPr/>
+      </p:nvGrpSpPr>
+      <p:grpSpPr>
+        <a:xfrm>
+          <a:off x="0" y="0"/>
+          <a:ext cx="0" cy="0"/>
+          <a:chOff x="0" y="0"/>
+          <a:chExt cx="0" cy="0"/>
+        </a:xfrm>
+      </p:grpSpPr>
+      <p:pic>
+        <p:nvPicPr>
+          <p:cNvPr id="1026" name="Picture 2"/>
+          <p:cNvPicPr>
+            <a:picLocks noChangeAspect="1" noChangeArrowheads="1"/>
+          </p:cNvPicPr>
+          <p:nvPr/>
+        </p:nvPicPr>
+        <p:blipFill>
+          <a:blip r:embed="rId2">
+            <a:extLst>
+              <a:ext uri="{28A0092B-C50C-407E-A947-70E740481C1C}">
+                <a14:useLocalDpi xmlns:a14="http://schemas.microsoft.com/office/drawing/2010/main" val="0"/>
+              </a:ext>
+            </a:extLst>
+          </a:blip>
+          <a:srcRect/>
+          <a:stretch>
+            <a:fillRect/>
+          </a:stretch>
+        </p:blipFill>
+        <p:spPr bwMode="auto">
+          <a:xfrm>
+            <a:off x="179511" y="260648"/>
+            <a:ext cx="8784977" cy="5854402"/>
+          </a:xfrm>
+          <a:prstGeom prst="rect">
+            <a:avLst/>
+          </a:prstGeom>
+          <a:noFill/>
+          <a:ln>
+            <a:noFill/>
+          </a:ln>
+          <a:effectLst/>
+          <a:extLst>
+            <a:ext uri="{909E8E84-426E-40DD-AFC4-6F175D3DCCD1}">
+              <a14:hiddenFill xmlns:a14="http://schemas.microsoft.com/office/drawing/2010/main">
+                <a:solidFill>
+                  <a:schemeClr val="accent1"/>
+                </a:solidFill>
+              </a14:hiddenFill>
+            </a:ext>
+            <a:ext uri="{91240B29-F687-4F45-9708-019B960494DF}">
+              <a14:hiddenLine xmlns:a14="http://schemas.microsoft.com/office/drawing/2010/main" w="9525">
+                <a:solidFill>
+                  <a:schemeClr val="tx1"/>
+                </a:solidFill>
+                <a:miter lim="800000"/>
+                <a:headEnd/>
+                <a:tailEnd/>
+              </a14:hiddenLine>
+            </a:ext>
+            <a:ext uri="{AF507438-7753-43E0-B8FC-AC1667EBCBE1}">
+              <a14:hiddenEffects xmlns:a14="http://schemas.microsoft.com/office/drawing/2010/main">
+                <a:effectLst>
+                  <a:outerShdw dist="35921" dir="2700000" algn="ctr" rotWithShape="0">
+                    <a:schemeClr val="bg2"/>
+                  </a:outerShdw>
+                </a:effectLst>
+              </a14:hiddenEffects>
+            </a:ext>
+          </a:extLst>
+        </p:spPr>
+      </p:pic>
     </p:spTree>
     <p:extLst>
       <p:ext uri="{BB962C8B-B14F-4D97-AF65-F5344CB8AC3E}">

--- a/NodeJS-Architecture.pptx
+++ b/NodeJS-Architecture.pptx
@@ -5,7 +5,7 @@
     <p:sldMasterId id="2147483648" r:id="rId1"/>
   </p:sldMasterIdLst>
   <p:notesMasterIdLst>
-    <p:notesMasterId r:id="rId10"/>
+    <p:notesMasterId r:id="rId11"/>
   </p:notesMasterIdLst>
   <p:sldIdLst>
     <p:sldId id="256" r:id="rId2"/>
@@ -16,6 +16,7 @@
     <p:sldId id="261" r:id="rId7"/>
     <p:sldId id="263" r:id="rId8"/>
     <p:sldId id="262" r:id="rId9"/>
+    <p:sldId id="264" r:id="rId10"/>
   </p:sldIdLst>
   <p:sldSz cx="9144000" cy="6858000" type="screen4x3"/>
   <p:notesSz cx="6858000" cy="9144000"/>
@@ -199,7 +200,7 @@
           <a:p>
             <a:fld id="{8D25EB8F-2E7B-4F75-8EF1-38338E91602F}" type="datetimeFigureOut">
               <a:rPr lang="en-IN" smtClean="0"/>
-              <a:t>28-05-2024</a:t>
+              <a:t>29-05-2024</a:t>
             </a:fld>
             <a:endParaRPr lang="en-IN"/>
           </a:p>
@@ -984,7 +985,7 @@
           <a:p>
             <a:fld id="{BD428AA6-56EB-42E8-B0B2-E6A0099282B9}" type="datetimeFigureOut">
               <a:rPr lang="en-IN" smtClean="0"/>
-              <a:t>28-05-2024</a:t>
+              <a:t>29-05-2024</a:t>
             </a:fld>
             <a:endParaRPr lang="en-IN"/>
           </a:p>
@@ -1154,7 +1155,7 @@
           <a:p>
             <a:fld id="{BD428AA6-56EB-42E8-B0B2-E6A0099282B9}" type="datetimeFigureOut">
               <a:rPr lang="en-IN" smtClean="0"/>
-              <a:t>28-05-2024</a:t>
+              <a:t>29-05-2024</a:t>
             </a:fld>
             <a:endParaRPr lang="en-IN"/>
           </a:p>
@@ -1334,7 +1335,7 @@
           <a:p>
             <a:fld id="{BD428AA6-56EB-42E8-B0B2-E6A0099282B9}" type="datetimeFigureOut">
               <a:rPr lang="en-IN" smtClean="0"/>
-              <a:t>28-05-2024</a:t>
+              <a:t>29-05-2024</a:t>
             </a:fld>
             <a:endParaRPr lang="en-IN"/>
           </a:p>
@@ -1504,7 +1505,7 @@
           <a:p>
             <a:fld id="{BD428AA6-56EB-42E8-B0B2-E6A0099282B9}" type="datetimeFigureOut">
               <a:rPr lang="en-IN" smtClean="0"/>
-              <a:t>28-05-2024</a:t>
+              <a:t>29-05-2024</a:t>
             </a:fld>
             <a:endParaRPr lang="en-IN"/>
           </a:p>
@@ -1750,7 +1751,7 @@
           <a:p>
             <a:fld id="{BD428AA6-56EB-42E8-B0B2-E6A0099282B9}" type="datetimeFigureOut">
               <a:rPr lang="en-IN" smtClean="0"/>
-              <a:t>28-05-2024</a:t>
+              <a:t>29-05-2024</a:t>
             </a:fld>
             <a:endParaRPr lang="en-IN"/>
           </a:p>
@@ -2038,7 +2039,7 @@
           <a:p>
             <a:fld id="{BD428AA6-56EB-42E8-B0B2-E6A0099282B9}" type="datetimeFigureOut">
               <a:rPr lang="en-IN" smtClean="0"/>
-              <a:t>28-05-2024</a:t>
+              <a:t>29-05-2024</a:t>
             </a:fld>
             <a:endParaRPr lang="en-IN"/>
           </a:p>
@@ -2460,7 +2461,7 @@
           <a:p>
             <a:fld id="{BD428AA6-56EB-42E8-B0B2-E6A0099282B9}" type="datetimeFigureOut">
               <a:rPr lang="en-IN" smtClean="0"/>
-              <a:t>28-05-2024</a:t>
+              <a:t>29-05-2024</a:t>
             </a:fld>
             <a:endParaRPr lang="en-IN"/>
           </a:p>
@@ -2578,7 +2579,7 @@
           <a:p>
             <a:fld id="{BD428AA6-56EB-42E8-B0B2-E6A0099282B9}" type="datetimeFigureOut">
               <a:rPr lang="en-IN" smtClean="0"/>
-              <a:t>28-05-2024</a:t>
+              <a:t>29-05-2024</a:t>
             </a:fld>
             <a:endParaRPr lang="en-IN"/>
           </a:p>
@@ -2673,7 +2674,7 @@
           <a:p>
             <a:fld id="{BD428AA6-56EB-42E8-B0B2-E6A0099282B9}" type="datetimeFigureOut">
               <a:rPr lang="en-IN" smtClean="0"/>
-              <a:t>28-05-2024</a:t>
+              <a:t>29-05-2024</a:t>
             </a:fld>
             <a:endParaRPr lang="en-IN"/>
           </a:p>
@@ -2950,7 +2951,7 @@
           <a:p>
             <a:fld id="{BD428AA6-56EB-42E8-B0B2-E6A0099282B9}" type="datetimeFigureOut">
               <a:rPr lang="en-IN" smtClean="0"/>
-              <a:t>28-05-2024</a:t>
+              <a:t>29-05-2024</a:t>
             </a:fld>
             <a:endParaRPr lang="en-IN"/>
           </a:p>
@@ -3203,7 +3204,7 @@
           <a:p>
             <a:fld id="{BD428AA6-56EB-42E8-B0B2-E6A0099282B9}" type="datetimeFigureOut">
               <a:rPr lang="en-IN" smtClean="0"/>
-              <a:t>28-05-2024</a:t>
+              <a:t>29-05-2024</a:t>
             </a:fld>
             <a:endParaRPr lang="en-IN"/>
           </a:p>
@@ -3416,7 +3417,7 @@
           <a:p>
             <a:fld id="{BD428AA6-56EB-42E8-B0B2-E6A0099282B9}" type="datetimeFigureOut">
               <a:rPr lang="en-IN" smtClean="0"/>
-              <a:t>28-05-2024</a:t>
+              <a:t>29-05-2024</a:t>
             </a:fld>
             <a:endParaRPr lang="en-IN"/>
           </a:p>
@@ -6224,6 +6225,130 @@
     <p:extLst>
       <p:ext uri="{BB962C8B-B14F-4D97-AF65-F5344CB8AC3E}">
         <p14:creationId xmlns:p14="http://schemas.microsoft.com/office/powerpoint/2010/main" val="3079002569"/>
+      </p:ext>
+    </p:extLst>
+  </p:cSld>
+  <p:clrMapOvr>
+    <a:masterClrMapping/>
+  </p:clrMapOvr>
+</p:sld>
+</file>
+
+<file path=ppt/slides/slide9.xml><?xml version="1.0" encoding="utf-8"?>
+<p:sld xmlns:a="http://schemas.openxmlformats.org/drawingml/2006/main" xmlns:r="http://schemas.openxmlformats.org/officeDocument/2006/relationships" xmlns:p="http://schemas.openxmlformats.org/presentationml/2006/main">
+  <p:cSld>
+    <p:spTree>
+      <p:nvGrpSpPr>
+        <p:cNvPr id="1" name=""/>
+        <p:cNvGrpSpPr/>
+        <p:nvPr/>
+      </p:nvGrpSpPr>
+      <p:grpSpPr>
+        <a:xfrm>
+          <a:off x="0" y="0"/>
+          <a:ext cx="0" cy="0"/>
+          <a:chOff x="0" y="0"/>
+          <a:chExt cx="0" cy="0"/>
+        </a:xfrm>
+      </p:grpSpPr>
+      <p:pic>
+        <p:nvPicPr>
+          <p:cNvPr id="1026" name="Picture 2"/>
+          <p:cNvPicPr>
+            <a:picLocks noChangeAspect="1" noChangeArrowheads="1"/>
+          </p:cNvPicPr>
+          <p:nvPr/>
+        </p:nvPicPr>
+        <p:blipFill>
+          <a:blip r:embed="rId2">
+            <a:extLst>
+              <a:ext uri="{28A0092B-C50C-407E-A947-70E740481C1C}">
+                <a14:useLocalDpi xmlns:a14="http://schemas.microsoft.com/office/drawing/2010/main" val="0"/>
+              </a:ext>
+            </a:extLst>
+          </a:blip>
+          <a:srcRect/>
+          <a:stretch>
+            <a:fillRect/>
+          </a:stretch>
+        </p:blipFill>
+        <p:spPr bwMode="auto">
+          <a:xfrm>
+            <a:off x="1498600" y="2405063"/>
+            <a:ext cx="6145213" cy="2047875"/>
+          </a:xfrm>
+          <a:prstGeom prst="rect">
+            <a:avLst/>
+          </a:prstGeom>
+          <a:noFill/>
+          <a:ln>
+            <a:noFill/>
+          </a:ln>
+          <a:effectLst/>
+          <a:extLst>
+            <a:ext uri="{909E8E84-426E-40DD-AFC4-6F175D3DCCD1}">
+              <a14:hiddenFill xmlns:a14="http://schemas.microsoft.com/office/drawing/2010/main">
+                <a:solidFill>
+                  <a:schemeClr val="accent1"/>
+                </a:solidFill>
+              </a14:hiddenFill>
+            </a:ext>
+            <a:ext uri="{91240B29-F687-4F45-9708-019B960494DF}">
+              <a14:hiddenLine xmlns:a14="http://schemas.microsoft.com/office/drawing/2010/main" w="9525">
+                <a:solidFill>
+                  <a:schemeClr val="tx1"/>
+                </a:solidFill>
+                <a:miter lim="800000"/>
+                <a:headEnd/>
+                <a:tailEnd/>
+              </a14:hiddenLine>
+            </a:ext>
+            <a:ext uri="{AF507438-7753-43E0-B8FC-AC1667EBCBE1}">
+              <a14:hiddenEffects xmlns:a14="http://schemas.microsoft.com/office/drawing/2010/main">
+                <a:effectLst>
+                  <a:outerShdw dist="35921" dir="2700000" algn="ctr" rotWithShape="0">
+                    <a:schemeClr val="bg2"/>
+                  </a:outerShdw>
+                </a:effectLst>
+              </a14:hiddenEffects>
+            </a:ext>
+          </a:extLst>
+        </p:spPr>
+      </p:pic>
+      <p:sp>
+        <p:nvSpPr>
+          <p:cNvPr id="4" name="TextBox 3"/>
+          <p:cNvSpPr txBox="1"/>
+          <p:nvPr/>
+        </p:nvSpPr>
+        <p:spPr>
+          <a:xfrm>
+            <a:off x="2411760" y="764704"/>
+            <a:ext cx="2912400" cy="369332"/>
+          </a:xfrm>
+          <a:prstGeom prst="rect">
+            <a:avLst/>
+          </a:prstGeom>
+          <a:noFill/>
+        </p:spPr>
+        <p:txBody>
+          <a:bodyPr wrap="none" rtlCol="0">
+            <a:spAutoFit/>
+          </a:bodyPr>
+          <a:lstStyle/>
+          <a:p>
+            <a:r>
+              <a:rPr lang="en-IN" dirty="0" smtClean="0"/>
+              <a:t>Password Reset Functionality</a:t>
+            </a:r>
+            <a:endParaRPr lang="en-IN" dirty="0"/>
+          </a:p>
+        </p:txBody>
+      </p:sp>
+    </p:spTree>
+    <p:extLst>
+      <p:ext uri="{BB962C8B-B14F-4D97-AF65-F5344CB8AC3E}">
+        <p14:creationId xmlns:p14="http://schemas.microsoft.com/office/powerpoint/2010/main" val="807284764"/>
       </p:ext>
     </p:extLst>
   </p:cSld>

--- a/NodeJS-Architecture.pptx
+++ b/NodeJS-Architecture.pptx
@@ -5,7 +5,7 @@
     <p:sldMasterId id="2147483648" r:id="rId1"/>
   </p:sldMasterIdLst>
   <p:notesMasterIdLst>
-    <p:notesMasterId r:id="rId11"/>
+    <p:notesMasterId r:id="rId13"/>
   </p:notesMasterIdLst>
   <p:sldIdLst>
     <p:sldId id="256" r:id="rId2"/>
@@ -17,6 +17,8 @@
     <p:sldId id="263" r:id="rId8"/>
     <p:sldId id="262" r:id="rId9"/>
     <p:sldId id="264" r:id="rId10"/>
+    <p:sldId id="265" r:id="rId11"/>
+    <p:sldId id="266" r:id="rId12"/>
   </p:sldIdLst>
   <p:sldSz cx="9144000" cy="6858000" type="screen4x3"/>
   <p:notesSz cx="6858000" cy="9144000"/>
@@ -200,7 +202,7 @@
           <a:p>
             <a:fld id="{8D25EB8F-2E7B-4F75-8EF1-38338E91602F}" type="datetimeFigureOut">
               <a:rPr lang="en-IN" smtClean="0"/>
-              <a:t>29-05-2024</a:t>
+              <a:t>30-05-2024</a:t>
             </a:fld>
             <a:endParaRPr lang="en-IN"/>
           </a:p>
@@ -985,7 +987,7 @@
           <a:p>
             <a:fld id="{BD428AA6-56EB-42E8-B0B2-E6A0099282B9}" type="datetimeFigureOut">
               <a:rPr lang="en-IN" smtClean="0"/>
-              <a:t>29-05-2024</a:t>
+              <a:t>30-05-2024</a:t>
             </a:fld>
             <a:endParaRPr lang="en-IN"/>
           </a:p>
@@ -1155,7 +1157,7 @@
           <a:p>
             <a:fld id="{BD428AA6-56EB-42E8-B0B2-E6A0099282B9}" type="datetimeFigureOut">
               <a:rPr lang="en-IN" smtClean="0"/>
-              <a:t>29-05-2024</a:t>
+              <a:t>30-05-2024</a:t>
             </a:fld>
             <a:endParaRPr lang="en-IN"/>
           </a:p>
@@ -1335,7 +1337,7 @@
           <a:p>
             <a:fld id="{BD428AA6-56EB-42E8-B0B2-E6A0099282B9}" type="datetimeFigureOut">
               <a:rPr lang="en-IN" smtClean="0"/>
-              <a:t>29-05-2024</a:t>
+              <a:t>30-05-2024</a:t>
             </a:fld>
             <a:endParaRPr lang="en-IN"/>
           </a:p>
@@ -1505,7 +1507,7 @@
           <a:p>
             <a:fld id="{BD428AA6-56EB-42E8-B0B2-E6A0099282B9}" type="datetimeFigureOut">
               <a:rPr lang="en-IN" smtClean="0"/>
-              <a:t>29-05-2024</a:t>
+              <a:t>30-05-2024</a:t>
             </a:fld>
             <a:endParaRPr lang="en-IN"/>
           </a:p>
@@ -1751,7 +1753,7 @@
           <a:p>
             <a:fld id="{BD428AA6-56EB-42E8-B0B2-E6A0099282B9}" type="datetimeFigureOut">
               <a:rPr lang="en-IN" smtClean="0"/>
-              <a:t>29-05-2024</a:t>
+              <a:t>30-05-2024</a:t>
             </a:fld>
             <a:endParaRPr lang="en-IN"/>
           </a:p>
@@ -2039,7 +2041,7 @@
           <a:p>
             <a:fld id="{BD428AA6-56EB-42E8-B0B2-E6A0099282B9}" type="datetimeFigureOut">
               <a:rPr lang="en-IN" smtClean="0"/>
-              <a:t>29-05-2024</a:t>
+              <a:t>30-05-2024</a:t>
             </a:fld>
             <a:endParaRPr lang="en-IN"/>
           </a:p>
@@ -2461,7 +2463,7 @@
           <a:p>
             <a:fld id="{BD428AA6-56EB-42E8-B0B2-E6A0099282B9}" type="datetimeFigureOut">
               <a:rPr lang="en-IN" smtClean="0"/>
-              <a:t>29-05-2024</a:t>
+              <a:t>30-05-2024</a:t>
             </a:fld>
             <a:endParaRPr lang="en-IN"/>
           </a:p>
@@ -2579,7 +2581,7 @@
           <a:p>
             <a:fld id="{BD428AA6-56EB-42E8-B0B2-E6A0099282B9}" type="datetimeFigureOut">
               <a:rPr lang="en-IN" smtClean="0"/>
-              <a:t>29-05-2024</a:t>
+              <a:t>30-05-2024</a:t>
             </a:fld>
             <a:endParaRPr lang="en-IN"/>
           </a:p>
@@ -2674,7 +2676,7 @@
           <a:p>
             <a:fld id="{BD428AA6-56EB-42E8-B0B2-E6A0099282B9}" type="datetimeFigureOut">
               <a:rPr lang="en-IN" smtClean="0"/>
-              <a:t>29-05-2024</a:t>
+              <a:t>30-05-2024</a:t>
             </a:fld>
             <a:endParaRPr lang="en-IN"/>
           </a:p>
@@ -2951,7 +2953,7 @@
           <a:p>
             <a:fld id="{BD428AA6-56EB-42E8-B0B2-E6A0099282B9}" type="datetimeFigureOut">
               <a:rPr lang="en-IN" smtClean="0"/>
-              <a:t>29-05-2024</a:t>
+              <a:t>30-05-2024</a:t>
             </a:fld>
             <a:endParaRPr lang="en-IN"/>
           </a:p>
@@ -3204,7 +3206,7 @@
           <a:p>
             <a:fld id="{BD428AA6-56EB-42E8-B0B2-E6A0099282B9}" type="datetimeFigureOut">
               <a:rPr lang="en-IN" smtClean="0"/>
-              <a:t>29-05-2024</a:t>
+              <a:t>30-05-2024</a:t>
             </a:fld>
             <a:endParaRPr lang="en-IN"/>
           </a:p>
@@ -3417,7 +3419,7 @@
           <a:p>
             <a:fld id="{BD428AA6-56EB-42E8-B0B2-E6A0099282B9}" type="datetimeFigureOut">
               <a:rPr lang="en-IN" smtClean="0"/>
-              <a:t>29-05-2024</a:t>
+              <a:t>30-05-2024</a:t>
             </a:fld>
             <a:endParaRPr lang="en-IN"/>
           </a:p>
@@ -4093,6 +4095,380 @@
     <p:extLst>
       <p:ext uri="{BB962C8B-B14F-4D97-AF65-F5344CB8AC3E}">
         <p14:creationId xmlns:p14="http://schemas.microsoft.com/office/powerpoint/2010/main" val="481044642"/>
+      </p:ext>
+    </p:extLst>
+  </p:cSld>
+  <p:clrMapOvr>
+    <a:masterClrMapping/>
+  </p:clrMapOvr>
+</p:sld>
+</file>
+
+<file path=ppt/slides/slide10.xml><?xml version="1.0" encoding="utf-8"?>
+<p:sld xmlns:a="http://schemas.openxmlformats.org/drawingml/2006/main" xmlns:r="http://schemas.openxmlformats.org/officeDocument/2006/relationships" xmlns:p="http://schemas.openxmlformats.org/presentationml/2006/main">
+  <p:cSld>
+    <p:spTree>
+      <p:nvGrpSpPr>
+        <p:cNvPr id="1" name=""/>
+        <p:cNvGrpSpPr/>
+        <p:nvPr/>
+      </p:nvGrpSpPr>
+      <p:grpSpPr>
+        <a:xfrm>
+          <a:off x="0" y="0"/>
+          <a:ext cx="0" cy="0"/>
+          <a:chOff x="0" y="0"/>
+          <a:chExt cx="0" cy="0"/>
+        </a:xfrm>
+      </p:grpSpPr>
+      <p:sp>
+        <p:nvSpPr>
+          <p:cNvPr id="2" name="Title 1"/>
+          <p:cNvSpPr>
+            <a:spLocks noGrp="1"/>
+          </p:cNvSpPr>
+          <p:nvPr>
+            <p:ph type="title"/>
+          </p:nvPr>
+        </p:nvSpPr>
+        <p:spPr>
+          <a:xfrm>
+            <a:off x="457200" y="274638"/>
+            <a:ext cx="8229600" cy="490066"/>
+          </a:xfrm>
+        </p:spPr>
+        <p:txBody>
+          <a:bodyPr>
+            <a:noAutofit/>
+          </a:bodyPr>
+          <a:lstStyle/>
+          <a:p>
+            <a:r>
+              <a:rPr lang="en-IN" sz="3200" dirty="0" smtClean="0"/>
+              <a:t>Security measures</a:t>
+            </a:r>
+            <a:endParaRPr lang="en-IN" sz="3200" dirty="0"/>
+          </a:p>
+        </p:txBody>
+      </p:sp>
+      <p:sp>
+        <p:nvSpPr>
+          <p:cNvPr id="3" name="Content Placeholder 2"/>
+          <p:cNvSpPr>
+            <a:spLocks noGrp="1"/>
+          </p:cNvSpPr>
+          <p:nvPr>
+            <p:ph idx="1"/>
+          </p:nvPr>
+        </p:nvSpPr>
+        <p:spPr>
+          <a:xfrm>
+            <a:off x="107504" y="980728"/>
+            <a:ext cx="8928992" cy="5760640"/>
+          </a:xfrm>
+        </p:spPr>
+        <p:txBody>
+          <a:bodyPr>
+            <a:normAutofit/>
+          </a:bodyPr>
+          <a:lstStyle/>
+          <a:p>
+            <a:r>
+              <a:rPr lang="en-IN" sz="1800" dirty="0" smtClean="0"/>
+              <a:t>Saving JWT on local storage of browser is security prone</a:t>
+            </a:r>
+          </a:p>
+          <a:p>
+            <a:r>
+              <a:rPr lang="en-IN" sz="1800" dirty="0" smtClean="0"/>
+              <a:t>So use HTTP Cookie to send and receive JWT</a:t>
+            </a:r>
+          </a:p>
+          <a:p>
+            <a:r>
+              <a:rPr lang="en-IN" sz="1800" dirty="0" smtClean="0"/>
+              <a:t>Browser can ONLY send and receive HTTP Cookie but CAN NOT access or modify cookie</a:t>
+            </a:r>
+          </a:p>
+          <a:p>
+            <a:r>
+              <a:rPr lang="en-IN" sz="1800" dirty="0" smtClean="0"/>
+              <a:t>Cookie is small piece of text that server can send to the client</a:t>
+            </a:r>
+          </a:p>
+          <a:p>
+            <a:r>
+              <a:rPr lang="en-IN" sz="1800" dirty="0" smtClean="0"/>
+              <a:t>When client receives it, it will automatically stores it and send it back to server for all subsequent requests</a:t>
+            </a:r>
+          </a:p>
+          <a:p>
+            <a:endParaRPr lang="en-IN" sz="1800" dirty="0"/>
+          </a:p>
+        </p:txBody>
+      </p:sp>
+      <p:pic>
+        <p:nvPicPr>
+          <p:cNvPr id="1026" name="Picture 2"/>
+          <p:cNvPicPr>
+            <a:picLocks noChangeAspect="1" noChangeArrowheads="1"/>
+          </p:cNvPicPr>
+          <p:nvPr/>
+        </p:nvPicPr>
+        <p:blipFill>
+          <a:blip r:embed="rId2">
+            <a:extLst>
+              <a:ext uri="{28A0092B-C50C-407E-A947-70E740481C1C}">
+                <a14:useLocalDpi xmlns:a14="http://schemas.microsoft.com/office/drawing/2010/main" val="0"/>
+              </a:ext>
+            </a:extLst>
+          </a:blip>
+          <a:srcRect/>
+          <a:stretch>
+            <a:fillRect/>
+          </a:stretch>
+        </p:blipFill>
+        <p:spPr bwMode="auto">
+          <a:xfrm>
+            <a:off x="1770013" y="4509120"/>
+            <a:ext cx="6402387" cy="2160240"/>
+          </a:xfrm>
+          <a:prstGeom prst="rect">
+            <a:avLst/>
+          </a:prstGeom>
+          <a:noFill/>
+          <a:ln>
+            <a:noFill/>
+          </a:ln>
+          <a:effectLst/>
+          <a:extLst>
+            <a:ext uri="{909E8E84-426E-40DD-AFC4-6F175D3DCCD1}">
+              <a14:hiddenFill xmlns:a14="http://schemas.microsoft.com/office/drawing/2010/main">
+                <a:solidFill>
+                  <a:schemeClr val="accent1"/>
+                </a:solidFill>
+              </a14:hiddenFill>
+            </a:ext>
+            <a:ext uri="{91240B29-F687-4F45-9708-019B960494DF}">
+              <a14:hiddenLine xmlns:a14="http://schemas.microsoft.com/office/drawing/2010/main" w="9525">
+                <a:solidFill>
+                  <a:schemeClr val="tx1"/>
+                </a:solidFill>
+                <a:miter lim="800000"/>
+                <a:headEnd/>
+                <a:tailEnd/>
+              </a14:hiddenLine>
+            </a:ext>
+            <a:ext uri="{AF507438-7753-43E0-B8FC-AC1667EBCBE1}">
+              <a14:hiddenEffects xmlns:a14="http://schemas.microsoft.com/office/drawing/2010/main">
+                <a:effectLst>
+                  <a:outerShdw dist="35921" dir="2700000" algn="ctr" rotWithShape="0">
+                    <a:schemeClr val="bg2"/>
+                  </a:outerShdw>
+                </a:effectLst>
+              </a14:hiddenEffects>
+            </a:ext>
+          </a:extLst>
+        </p:spPr>
+      </p:pic>
+    </p:spTree>
+    <p:extLst>
+      <p:ext uri="{BB962C8B-B14F-4D97-AF65-F5344CB8AC3E}">
+        <p14:creationId xmlns:p14="http://schemas.microsoft.com/office/powerpoint/2010/main" val="2150086896"/>
+      </p:ext>
+    </p:extLst>
+  </p:cSld>
+  <p:clrMapOvr>
+    <a:masterClrMapping/>
+  </p:clrMapOvr>
+</p:sld>
+</file>
+
+<file path=ppt/slides/slide11.xml><?xml version="1.0" encoding="utf-8"?>
+<p:sld xmlns:a="http://schemas.openxmlformats.org/drawingml/2006/main" xmlns:r="http://schemas.openxmlformats.org/officeDocument/2006/relationships" xmlns:p="http://schemas.openxmlformats.org/presentationml/2006/main">
+  <p:cSld>
+    <p:spTree>
+      <p:nvGrpSpPr>
+        <p:cNvPr id="1" name=""/>
+        <p:cNvGrpSpPr/>
+        <p:nvPr/>
+      </p:nvGrpSpPr>
+      <p:grpSpPr>
+        <a:xfrm>
+          <a:off x="0" y="0"/>
+          <a:ext cx="0" cy="0"/>
+          <a:chOff x="0" y="0"/>
+          <a:chExt cx="0" cy="0"/>
+        </a:xfrm>
+      </p:grpSpPr>
+      <p:sp>
+        <p:nvSpPr>
+          <p:cNvPr id="3" name="Content Placeholder 2"/>
+          <p:cNvSpPr>
+            <a:spLocks noGrp="1"/>
+          </p:cNvSpPr>
+          <p:nvPr>
+            <p:ph idx="1"/>
+          </p:nvPr>
+        </p:nvSpPr>
+        <p:spPr>
+          <a:xfrm>
+            <a:off x="35496" y="764704"/>
+            <a:ext cx="9001000" cy="5976664"/>
+          </a:xfrm>
+        </p:spPr>
+        <p:txBody>
+          <a:bodyPr>
+            <a:normAutofit/>
+          </a:bodyPr>
+          <a:lstStyle/>
+          <a:p>
+            <a:r>
+              <a:rPr lang="en-IN" sz="1800" b="1" dirty="0" smtClean="0"/>
+              <a:t>Rate Limit</a:t>
+            </a:r>
+            <a:r>
+              <a:rPr lang="en-IN" sz="1800" dirty="0" smtClean="0"/>
+              <a:t>: Apply </a:t>
+            </a:r>
+            <a:r>
+              <a:rPr lang="en-IN" sz="1800" dirty="0" err="1" smtClean="0"/>
+              <a:t>rateLimit</a:t>
+            </a:r>
+            <a:r>
+              <a:rPr lang="en-IN" sz="1800" dirty="0" smtClean="0"/>
+              <a:t> middleware to check number of request coming from same IP within a specified window.</a:t>
+            </a:r>
+          </a:p>
+          <a:p>
+            <a:r>
+              <a:rPr lang="en-IN" sz="1800" b="1" dirty="0" smtClean="0"/>
+              <a:t>Helmet</a:t>
+            </a:r>
+            <a:r>
+              <a:rPr lang="en-IN" sz="1800" dirty="0" smtClean="0"/>
+              <a:t>: Apply helmet middleware so that browser can set various headers for security</a:t>
+            </a:r>
+          </a:p>
+          <a:p>
+            <a:r>
+              <a:rPr lang="en-IN" sz="1800" b="1" dirty="0" smtClean="0"/>
+              <a:t>Data Limit</a:t>
+            </a:r>
+            <a:r>
+              <a:rPr lang="en-IN" sz="1800" dirty="0" smtClean="0"/>
+              <a:t>: Apply middleware for amount of data coming in request. If amount of requested data is more, extra gets truncated.</a:t>
+            </a:r>
+          </a:p>
+          <a:p>
+            <a:r>
+              <a:rPr lang="en-IN" sz="1800" dirty="0" smtClean="0"/>
+              <a:t>Data Sanitization</a:t>
+            </a:r>
+          </a:p>
+          <a:p>
+            <a:pPr lvl="1"/>
+            <a:r>
+              <a:rPr lang="en-IN" sz="1400" dirty="0" smtClean="0"/>
+              <a:t>install express-mongo-</a:t>
+            </a:r>
+            <a:r>
+              <a:rPr lang="en-IN" sz="1400" dirty="0" err="1" smtClean="0"/>
+              <a:t>santize</a:t>
+            </a:r>
+            <a:r>
+              <a:rPr lang="en-IN" sz="1400" dirty="0" smtClean="0"/>
+              <a:t> </a:t>
+            </a:r>
+          </a:p>
+          <a:p>
+            <a:pPr lvl="1"/>
+            <a:r>
+              <a:rPr lang="en-IN" sz="1400" dirty="0" smtClean="0"/>
+              <a:t>It prevents </a:t>
+            </a:r>
+            <a:r>
+              <a:rPr lang="en-IN" sz="1400" dirty="0" err="1" smtClean="0"/>
+              <a:t>noSQL</a:t>
+            </a:r>
+            <a:r>
+              <a:rPr lang="en-IN" sz="1400" dirty="0" smtClean="0"/>
+              <a:t> query attack</a:t>
+            </a:r>
+          </a:p>
+          <a:p>
+            <a:pPr lvl="1"/>
+            <a:r>
+              <a:rPr lang="en-IN" sz="1400" dirty="0" smtClean="0"/>
+              <a:t>Apply </a:t>
+            </a:r>
+            <a:r>
+              <a:rPr lang="en-IN" sz="1400" dirty="0" err="1" smtClean="0"/>
+              <a:t>xss</a:t>
+            </a:r>
+            <a:r>
+              <a:rPr lang="en-IN" sz="1400" dirty="0" smtClean="0"/>
+              <a:t> clean from </a:t>
+            </a:r>
+            <a:r>
+              <a:rPr lang="en-IN" sz="1400" dirty="0" err="1" smtClean="0"/>
+              <a:t>xss</a:t>
+            </a:r>
+            <a:r>
+              <a:rPr lang="en-IN" sz="1400" dirty="0" smtClean="0"/>
+              <a:t>-clean : it cleans any html input which is malicious</a:t>
+            </a:r>
+          </a:p>
+          <a:p>
+            <a:r>
+              <a:rPr lang="en-IN" sz="1800" dirty="0" smtClean="0"/>
+              <a:t>Preventing </a:t>
+            </a:r>
+            <a:r>
+              <a:rPr lang="en-IN" sz="1800" smtClean="0"/>
+              <a:t>Parameter Pollution</a:t>
+            </a:r>
+            <a:endParaRPr lang="en-IN" sz="1800" dirty="0" smtClean="0"/>
+          </a:p>
+          <a:p>
+            <a:endParaRPr lang="en-IN" sz="1800" dirty="0"/>
+          </a:p>
+        </p:txBody>
+      </p:sp>
+      <p:sp>
+        <p:nvSpPr>
+          <p:cNvPr id="4" name="Title 1"/>
+          <p:cNvSpPr>
+            <a:spLocks noGrp="1"/>
+          </p:cNvSpPr>
+          <p:nvPr>
+            <p:ph type="title"/>
+          </p:nvPr>
+        </p:nvSpPr>
+        <p:spPr>
+          <a:xfrm>
+            <a:off x="457200" y="274638"/>
+            <a:ext cx="8229600" cy="490066"/>
+          </a:xfrm>
+        </p:spPr>
+        <p:txBody>
+          <a:bodyPr>
+            <a:noAutofit/>
+          </a:bodyPr>
+          <a:lstStyle/>
+          <a:p>
+            <a:r>
+              <a:rPr lang="en-IN" sz="3200" dirty="0" smtClean="0"/>
+              <a:t>Security measures</a:t>
+            </a:r>
+            <a:endParaRPr lang="en-IN" sz="3200" dirty="0"/>
+          </a:p>
+        </p:txBody>
+      </p:sp>
+    </p:spTree>
+    <p:extLst>
+      <p:ext uri="{BB962C8B-B14F-4D97-AF65-F5344CB8AC3E}">
+        <p14:creationId xmlns:p14="http://schemas.microsoft.com/office/powerpoint/2010/main" val="984957789"/>
       </p:ext>
     </p:extLst>
   </p:cSld>
